--- a/NetTesting/Presentation.pptx
+++ b/NetTesting/Presentation.pptx
@@ -5,7 +5,7 @@
     <p:sldMasterId id="2147483648" r:id="rId1"/>
   </p:sldMasterIdLst>
   <p:notesMasterIdLst>
-    <p:notesMasterId r:id="rId14"/>
+    <p:notesMasterId r:id="rId17"/>
   </p:notesMasterIdLst>
   <p:sldIdLst>
     <p:sldId id="256" r:id="rId2"/>
@@ -13,13 +13,16 @@
     <p:sldId id="265" r:id="rId4"/>
     <p:sldId id="260" r:id="rId5"/>
     <p:sldId id="266" r:id="rId6"/>
-    <p:sldId id="257" r:id="rId7"/>
-    <p:sldId id="267" r:id="rId8"/>
-    <p:sldId id="258" r:id="rId9"/>
-    <p:sldId id="261" r:id="rId10"/>
-    <p:sldId id="259" r:id="rId11"/>
-    <p:sldId id="264" r:id="rId12"/>
-    <p:sldId id="263" r:id="rId13"/>
+    <p:sldId id="270" r:id="rId7"/>
+    <p:sldId id="257" r:id="rId8"/>
+    <p:sldId id="267" r:id="rId9"/>
+    <p:sldId id="258" r:id="rId10"/>
+    <p:sldId id="261" r:id="rId11"/>
+    <p:sldId id="259" r:id="rId12"/>
+    <p:sldId id="264" r:id="rId13"/>
+    <p:sldId id="263" r:id="rId14"/>
+    <p:sldId id="268" r:id="rId15"/>
+    <p:sldId id="269" r:id="rId16"/>
   </p:sldIdLst>
   <p:sldSz cx="12192000" cy="6858000"/>
   <p:notesSz cx="6858000" cy="9144000"/>
@@ -118,6 +121,11 @@
       </a:defRPr>
     </a:lvl9pPr>
   </p:defaultTextStyle>
+  <p:extLst>
+    <p:ext uri="{EFAFB233-063F-42B5-8137-9DF3F51BA10A}">
+      <p15:sldGuideLst xmlns:p15="http://schemas.microsoft.com/office/powerpoint/2012/main"/>
+    </p:ext>
+  </p:extLst>
 </p:presentation>
 </file>
 
@@ -203,7 +211,7 @@
           <a:p>
             <a:fld id="{BBB263FD-C177-455B-AE6A-FA2B045B2D79}" type="datetimeFigureOut">
               <a:rPr lang="ru-RU" smtClean="0"/>
-              <a:t>28.06.2015</a:t>
+              <a:t>29.06.2015</a:t>
             </a:fld>
             <a:endParaRPr lang="ru-RU"/>
           </a:p>
@@ -630,6 +638,90 @@
     <p:extLst>
       <p:ext uri="{BB962C8B-B14F-4D97-AF65-F5344CB8AC3E}">
         <p14:creationId xmlns:p14="http://schemas.microsoft.com/office/powerpoint/2010/main" val="2751964028"/>
+      </p:ext>
+    </p:extLst>
+  </p:cSld>
+  <p:clrMapOvr>
+    <a:masterClrMapping/>
+  </p:clrMapOvr>
+</p:notes>
+</file>
+
+<file path=ppt/notesSlides/notesSlide3.xml><?xml version="1.0" encoding="utf-8"?>
+<p:notes xmlns:a="http://schemas.openxmlformats.org/drawingml/2006/main" xmlns:r="http://schemas.openxmlformats.org/officeDocument/2006/relationships" xmlns:p="http://schemas.openxmlformats.org/presentationml/2006/main">
+  <p:cSld>
+    <p:spTree>
+      <p:nvGrpSpPr>
+        <p:cNvPr id="1" name=""/>
+        <p:cNvGrpSpPr/>
+        <p:nvPr/>
+      </p:nvGrpSpPr>
+      <p:grpSpPr>
+        <a:xfrm>
+          <a:off x="0" y="0"/>
+          <a:ext cx="0" cy="0"/>
+          <a:chOff x="0" y="0"/>
+          <a:chExt cx="0" cy="0"/>
+        </a:xfrm>
+      </p:grpSpPr>
+      <p:sp>
+        <p:nvSpPr>
+          <p:cNvPr id="2" name="Образ слайда 1"/>
+          <p:cNvSpPr>
+            <a:spLocks noGrp="1" noRot="1" noChangeAspect="1"/>
+          </p:cNvSpPr>
+          <p:nvPr>
+            <p:ph type="sldImg"/>
+          </p:nvPr>
+        </p:nvSpPr>
+        <p:spPr/>
+      </p:sp>
+      <p:sp>
+        <p:nvSpPr>
+          <p:cNvPr id="3" name="Заметки 2"/>
+          <p:cNvSpPr>
+            <a:spLocks noGrp="1"/>
+          </p:cNvSpPr>
+          <p:nvPr>
+            <p:ph type="body" idx="1"/>
+          </p:nvPr>
+        </p:nvSpPr>
+        <p:spPr/>
+        <p:txBody>
+          <a:bodyPr/>
+          <a:lstStyle/>
+          <a:p>
+            <a:endParaRPr lang="ru-RU"/>
+          </a:p>
+        </p:txBody>
+      </p:sp>
+      <p:sp>
+        <p:nvSpPr>
+          <p:cNvPr id="4" name="Номер слайда 3"/>
+          <p:cNvSpPr>
+            <a:spLocks noGrp="1"/>
+          </p:cNvSpPr>
+          <p:nvPr>
+            <p:ph type="sldNum" sz="quarter" idx="10"/>
+          </p:nvPr>
+        </p:nvSpPr>
+        <p:spPr/>
+        <p:txBody>
+          <a:bodyPr/>
+          <a:lstStyle/>
+          <a:p>
+            <a:fld id="{A6FA3090-FB46-4252-87EE-61150F824616}" type="slidenum">
+              <a:rPr lang="ru-RU" smtClean="0"/>
+              <a:t>15</a:t>
+            </a:fld>
+            <a:endParaRPr lang="ru-RU"/>
+          </a:p>
+        </p:txBody>
+      </p:sp>
+    </p:spTree>
+    <p:extLst>
+      <p:ext uri="{BB962C8B-B14F-4D97-AF65-F5344CB8AC3E}">
+        <p14:creationId xmlns:p14="http://schemas.microsoft.com/office/powerpoint/2010/main" val="2743486876"/>
       </p:ext>
     </p:extLst>
   </p:cSld>
@@ -1361,9 +1453,9 @@
           <a:bodyPr/>
           <a:lstStyle/>
           <a:p>
-            <a:fld id="{812A3F01-AD2F-45B3-B6BB-5A6DCDF9DF6B}" type="datetime1">
+            <a:fld id="{9D92CE5F-FE67-4FCE-9FEF-55BED055B1C3}" type="datetime1">
               <a:rPr lang="en-US" smtClean="0"/>
-              <a:t>6/28/2015</a:t>
+              <a:t>6/29/2015</a:t>
             </a:fld>
             <a:endParaRPr lang="en-US" dirty="0"/>
           </a:p>
@@ -1608,9 +1700,9 @@
           <a:bodyPr/>
           <a:lstStyle/>
           <a:p>
-            <a:fld id="{8B0807E2-3992-4EA9-9738-FAB599FC99FF}" type="datetime1">
+            <a:fld id="{19617365-F89F-46FA-B66C-1D5A472D3E89}" type="datetime1">
               <a:rPr lang="en-US" smtClean="0"/>
-              <a:t>6/28/2015</a:t>
+              <a:t>6/29/2015</a:t>
             </a:fld>
             <a:endParaRPr lang="en-US" dirty="0"/>
           </a:p>
@@ -1918,9 +2010,9 @@
           <a:bodyPr/>
           <a:lstStyle/>
           <a:p>
-            <a:fld id="{0EB90BC9-3258-4D12-B001-421BE4D2C5E4}" type="datetime1">
+            <a:fld id="{BD85AC23-598F-466B-837A-AC6E05E07EBD}" type="datetime1">
               <a:rPr lang="en-US" smtClean="0"/>
-              <a:t>6/28/2015</a:t>
+              <a:t>6/29/2015</a:t>
             </a:fld>
             <a:endParaRPr lang="en-US" dirty="0"/>
           </a:p>
@@ -2241,9 +2333,9 @@
           <a:bodyPr/>
           <a:lstStyle/>
           <a:p>
-            <a:fld id="{F83E66AA-8697-45FE-8CF5-5F7C05829D3F}" type="datetime1">
+            <a:fld id="{E14D6112-1736-4356-9A26-37ACBC559974}" type="datetime1">
               <a:rPr lang="en-US" smtClean="0"/>
-              <a:t>6/28/2015</a:t>
+              <a:t>6/29/2015</a:t>
             </a:fld>
             <a:endParaRPr lang="en-US" dirty="0"/>
           </a:p>
@@ -2551,9 +2643,9 @@
           <a:bodyPr/>
           <a:lstStyle/>
           <a:p>
-            <a:fld id="{5DD2F8BA-12AF-4494-8447-BFD5FC641ADE}" type="datetime1">
+            <a:fld id="{6DEFE684-BB0E-4AEC-A80C-6322066D33E3}" type="datetime1">
               <a:rPr lang="en-US" smtClean="0"/>
-              <a:t>6/28/2015</a:t>
+              <a:t>6/29/2015</a:t>
             </a:fld>
             <a:endParaRPr lang="en-US" dirty="0"/>
           </a:p>
@@ -2934,9 +3026,9 @@
           <a:bodyPr/>
           <a:lstStyle/>
           <a:p>
-            <a:fld id="{D30F672E-9EB7-4CBB-82B7-38AA14CF4F84}" type="datetime1">
+            <a:fld id="{6412E04B-14EF-4676-BC4B-5FC58E80084F}" type="datetime1">
               <a:rPr lang="en-US" smtClean="0"/>
-              <a:t>6/28/2015</a:t>
+              <a:t>6/29/2015</a:t>
             </a:fld>
             <a:endParaRPr lang="en-US" dirty="0"/>
           </a:p>
@@ -3100,9 +3192,9 @@
           <a:bodyPr/>
           <a:lstStyle/>
           <a:p>
-            <a:fld id="{AFF55FEE-E6BB-4BE0-82AE-01E3CC54E5BC}" type="datetime1">
+            <a:fld id="{0DC5D9A8-1C10-48BF-AC9D-EA658C6BDB12}" type="datetime1">
               <a:rPr lang="en-US" smtClean="0"/>
-              <a:t>6/28/2015</a:t>
+              <a:t>6/29/2015</a:t>
             </a:fld>
             <a:endParaRPr lang="en-US" dirty="0"/>
           </a:p>
@@ -3275,9 +3367,9 @@
           <a:bodyPr/>
           <a:lstStyle/>
           <a:p>
-            <a:fld id="{68370285-A62B-4D22-9D7B-D3F6C71F2B4F}" type="datetime1">
+            <a:fld id="{DEBB75F5-F2A3-43E7-A8C3-D91D6EA1288B}" type="datetime1">
               <a:rPr lang="en-US" smtClean="0"/>
-              <a:t>6/28/2015</a:t>
+              <a:t>6/29/2015</a:t>
             </a:fld>
             <a:endParaRPr lang="en-US" dirty="0"/>
           </a:p>
@@ -3447,9 +3539,9 @@
           <a:bodyPr/>
           <a:lstStyle/>
           <a:p>
-            <a:fld id="{8346ED43-3178-40D3-9DB4-38F88AAE7365}" type="datetime1">
+            <a:fld id="{9CAF16FC-6547-4DA8-9622-73EDEF7EF1CB}" type="datetime1">
               <a:rPr lang="en-US" smtClean="0"/>
-              <a:t>6/28/2015</a:t>
+              <a:t>6/29/2015</a:t>
             </a:fld>
             <a:endParaRPr lang="en-US" dirty="0"/>
           </a:p>
@@ -3690,9 +3782,9 @@
           <a:bodyPr/>
           <a:lstStyle/>
           <a:p>
-            <a:fld id="{EBD8D7F5-E759-4B5B-852F-AC7F9738B57C}" type="datetime1">
+            <a:fld id="{2E0121FB-DACF-4B56-819C-77F73E0027DB}" type="datetime1">
               <a:rPr lang="en-US" smtClean="0"/>
-              <a:t>6/28/2015</a:t>
+              <a:t>6/29/2015</a:t>
             </a:fld>
             <a:endParaRPr lang="en-US" dirty="0"/>
           </a:p>
@@ -3918,9 +4010,9 @@
           <a:bodyPr/>
           <a:lstStyle/>
           <a:p>
-            <a:fld id="{11FF5870-BA75-4687-AF00-4A39A0614CE8}" type="datetime1">
+            <a:fld id="{57003C1A-F986-44DF-BA98-089B1C7EE339}" type="datetime1">
               <a:rPr lang="en-US" smtClean="0"/>
-              <a:t>6/28/2015</a:t>
+              <a:t>6/29/2015</a:t>
             </a:fld>
             <a:endParaRPr lang="en-US" dirty="0"/>
           </a:p>
@@ -4287,9 +4379,9 @@
           <a:bodyPr/>
           <a:lstStyle/>
           <a:p>
-            <a:fld id="{DE4E26C7-E6CB-42B1-BFE5-34077FCA9AB4}" type="datetime1">
+            <a:fld id="{A5BE57BE-2F32-47B5-B6B5-1B971F4E6955}" type="datetime1">
               <a:rPr lang="en-US" smtClean="0"/>
-              <a:t>6/28/2015</a:t>
+              <a:t>6/29/2015</a:t>
             </a:fld>
             <a:endParaRPr lang="en-US" dirty="0"/>
           </a:p>
@@ -4406,9 +4498,9 @@
           <a:bodyPr/>
           <a:lstStyle/>
           <a:p>
-            <a:fld id="{657DA068-E5AB-4617-B908-E8FAA169311D}" type="datetime1">
+            <a:fld id="{F9B65CFB-E320-4453-A53D-A2B57DF04655}" type="datetime1">
               <a:rPr lang="en-US" smtClean="0"/>
-              <a:t>6/28/2015</a:t>
+              <a:t>6/29/2015</a:t>
             </a:fld>
             <a:endParaRPr lang="en-US" dirty="0"/>
           </a:p>
@@ -4497,9 +4589,9 @@
           <a:bodyPr/>
           <a:lstStyle/>
           <a:p>
-            <a:fld id="{F2F75AEF-1D15-4AF7-8B8E-4F907837B3B5}" type="datetime1">
+            <a:fld id="{F5D758D3-953F-4ED2-A4BE-60983E2FAD6F}" type="datetime1">
               <a:rPr lang="en-US" smtClean="0"/>
-              <a:t>6/28/2015</a:t>
+              <a:t>6/29/2015</a:t>
             </a:fld>
             <a:endParaRPr lang="en-US" dirty="0"/>
           </a:p>
@@ -4748,9 +4840,9 @@
           <a:bodyPr/>
           <a:lstStyle/>
           <a:p>
-            <a:fld id="{AC77E3E2-6F67-4292-859A-40C877362135}" type="datetime1">
+            <a:fld id="{EE5357AD-CFEA-414B-BE84-F031DD78955F}" type="datetime1">
               <a:rPr lang="en-US" smtClean="0"/>
-              <a:t>6/28/2015</a:t>
+              <a:t>6/29/2015</a:t>
             </a:fld>
             <a:endParaRPr lang="en-US" dirty="0"/>
           </a:p>
@@ -5006,9 +5098,9 @@
           <a:bodyPr/>
           <a:lstStyle/>
           <a:p>
-            <a:fld id="{E449C5DD-61BB-41E5-9C83-95AF67E757C0}" type="datetime1">
+            <a:fld id="{27D5D956-A80F-40D9-ADC6-63305397EB08}" type="datetime1">
               <a:rPr lang="en-US" smtClean="0"/>
-              <a:t>6/28/2015</a:t>
+              <a:t>6/29/2015</a:t>
             </a:fld>
             <a:endParaRPr lang="en-US" dirty="0"/>
           </a:p>
@@ -5747,9 +5839,9 @@
             </a:lvl1pPr>
           </a:lstStyle>
           <a:p>
-            <a:fld id="{683E532C-1D9F-42B5-BBF6-F3D5C9FC7910}" type="datetime1">
+            <a:fld id="{4E3467E5-E37D-4BF7-A555-9035E35FC2ED}" type="datetime1">
               <a:rPr lang="en-US" smtClean="0"/>
-              <a:t>6/28/2015</a:t>
+              <a:t>6/29/2015</a:t>
             </a:fld>
             <a:endParaRPr lang="en-US" dirty="0"/>
           </a:p>
@@ -6438,6 +6530,30 @@
           </a:p>
         </p:txBody>
       </p:sp>
+      <p:sp>
+        <p:nvSpPr>
+          <p:cNvPr id="3" name="Номер слайда 2"/>
+          <p:cNvSpPr>
+            <a:spLocks noGrp="1"/>
+          </p:cNvSpPr>
+          <p:nvPr>
+            <p:ph type="sldNum" sz="quarter" idx="12"/>
+          </p:nvPr>
+        </p:nvSpPr>
+        <p:spPr/>
+        <p:txBody>
+          <a:bodyPr/>
+          <a:lstStyle/>
+          <a:p>
+            <a:fld id="{D57F1E4F-1CFF-5643-939E-217C01CDF565}" type="slidenum">
+              <a:rPr lang="en-US" smtClean="0"/>
+              <a:pPr/>
+              <a:t>1</a:t>
+            </a:fld>
+            <a:endParaRPr lang="en-US" dirty="0"/>
+          </a:p>
+        </p:txBody>
+      </p:sp>
     </p:spTree>
     <p:extLst>
       <p:ext uri="{BB962C8B-B14F-4D97-AF65-F5344CB8AC3E}">
@@ -6477,6 +6593,768 @@
       </p:grpSpPr>
       <p:sp>
         <p:nvSpPr>
+          <p:cNvPr id="2" name="Заголовок 1"/>
+          <p:cNvSpPr>
+            <a:spLocks noGrp="1"/>
+          </p:cNvSpPr>
+          <p:nvPr>
+            <p:ph type="title"/>
+          </p:nvPr>
+        </p:nvSpPr>
+        <p:spPr/>
+        <p:txBody>
+          <a:bodyPr/>
+          <a:lstStyle/>
+          <a:p>
+            <a:r>
+              <a:rPr lang="en-US" dirty="0" smtClean="0">
+                <a:effectLst>
+                  <a:outerShdw blurRad="38100" dist="38100" dir="2700000" algn="tl">
+                    <a:srgbClr val="000000">
+                      <a:alpha val="43137"/>
+                    </a:srgbClr>
+                  </a:outerShdw>
+                </a:effectLst>
+              </a:rPr>
+              <a:t>How to test?</a:t>
+            </a:r>
+            <a:endParaRPr lang="ru-RU" dirty="0">
+              <a:effectLst>
+                <a:outerShdw blurRad="38100" dist="38100" dir="2700000" algn="tl">
+                  <a:srgbClr val="000000">
+                    <a:alpha val="43137"/>
+                  </a:srgbClr>
+                </a:outerShdw>
+              </a:effectLst>
+            </a:endParaRPr>
+          </a:p>
+        </p:txBody>
+      </p:sp>
+      <p:sp>
+        <p:nvSpPr>
+          <p:cNvPr id="6" name="TextBox 5"/>
+          <p:cNvSpPr txBox="1"/>
+          <p:nvPr/>
+        </p:nvSpPr>
+        <p:spPr>
+          <a:xfrm>
+            <a:off x="4384570" y="1836274"/>
+            <a:ext cx="739433" cy="461665"/>
+          </a:xfrm>
+          <a:prstGeom prst="rect">
+            <a:avLst/>
+          </a:prstGeom>
+          <a:noFill/>
+        </p:spPr>
+        <p:txBody>
+          <a:bodyPr wrap="none" rtlCol="0">
+            <a:spAutoFit/>
+          </a:bodyPr>
+          <a:lstStyle/>
+          <a:p>
+            <a:pPr>
+              <a:spcBef>
+                <a:spcPct val="0"/>
+              </a:spcBef>
+            </a:pPr>
+            <a:r>
+              <a:rPr lang="en-US" sz="2400" dirty="0" smtClean="0">
+                <a:solidFill>
+                  <a:schemeClr val="tx2">
+                    <a:lumMod val="90000"/>
+                  </a:schemeClr>
+                </a:solidFill>
+                <a:effectLst>
+                  <a:outerShdw blurRad="38100" dist="38100" dir="2700000" algn="tl">
+                    <a:srgbClr val="000000">
+                      <a:alpha val="43137"/>
+                    </a:srgbClr>
+                  </a:outerShdw>
+                </a:effectLst>
+                <a:latin typeface="+mj-lt"/>
+                <a:ea typeface="+mj-ea"/>
+                <a:cs typeface="+mj-cs"/>
+              </a:rPr>
+              <a:t>Test</a:t>
+            </a:r>
+            <a:endParaRPr lang="ru-RU" sz="2400" dirty="0">
+              <a:solidFill>
+                <a:schemeClr val="tx2">
+                  <a:lumMod val="90000"/>
+                </a:schemeClr>
+              </a:solidFill>
+              <a:effectLst>
+                <a:outerShdw blurRad="38100" dist="38100" dir="2700000" algn="tl">
+                  <a:srgbClr val="000000">
+                    <a:alpha val="43137"/>
+                  </a:srgbClr>
+                </a:outerShdw>
+              </a:effectLst>
+              <a:latin typeface="+mj-lt"/>
+              <a:ea typeface="+mj-ea"/>
+              <a:cs typeface="+mj-cs"/>
+            </a:endParaRPr>
+          </a:p>
+        </p:txBody>
+      </p:sp>
+      <p:cxnSp>
+        <p:nvCxnSpPr>
+          <p:cNvPr id="7" name="Прямая со стрелкой 6"/>
+          <p:cNvCxnSpPr>
+            <a:endCxn id="8" idx="0"/>
+          </p:cNvCxnSpPr>
+          <p:nvPr/>
+        </p:nvCxnSpPr>
+        <p:spPr>
+          <a:xfrm flipH="1">
+            <a:off x="2782149" y="2297939"/>
+            <a:ext cx="1602422" cy="957595"/>
+          </a:xfrm>
+          <a:prstGeom prst="straightConnector1">
+            <a:avLst/>
+          </a:prstGeom>
+          <a:ln w="28575">
+            <a:solidFill>
+              <a:srgbClr val="92D050"/>
+            </a:solidFill>
+            <a:tailEnd type="triangle" w="lg" len="lg"/>
+          </a:ln>
+        </p:spPr>
+        <p:style>
+          <a:lnRef idx="1">
+            <a:schemeClr val="accent5"/>
+          </a:lnRef>
+          <a:fillRef idx="0">
+            <a:schemeClr val="accent5"/>
+          </a:fillRef>
+          <a:effectRef idx="0">
+            <a:schemeClr val="accent5"/>
+          </a:effectRef>
+          <a:fontRef idx="minor">
+            <a:schemeClr val="tx1"/>
+          </a:fontRef>
+        </p:style>
+      </p:cxnSp>
+      <p:sp>
+        <p:nvSpPr>
+          <p:cNvPr id="8" name="TextBox 7"/>
+          <p:cNvSpPr txBox="1"/>
+          <p:nvPr/>
+        </p:nvSpPr>
+        <p:spPr>
+          <a:xfrm>
+            <a:off x="2329140" y="3255534"/>
+            <a:ext cx="906017" cy="461665"/>
+          </a:xfrm>
+          <a:prstGeom prst="rect">
+            <a:avLst/>
+          </a:prstGeom>
+          <a:noFill/>
+        </p:spPr>
+        <p:txBody>
+          <a:bodyPr wrap="none" rtlCol="0">
+            <a:spAutoFit/>
+          </a:bodyPr>
+          <a:lstStyle/>
+          <a:p>
+            <a:pPr>
+              <a:spcBef>
+                <a:spcPct val="0"/>
+              </a:spcBef>
+            </a:pPr>
+            <a:r>
+              <a:rPr lang="en-US" sz="2400" dirty="0" smtClean="0">
+                <a:solidFill>
+                  <a:schemeClr val="tx2">
+                    <a:lumMod val="90000"/>
+                  </a:schemeClr>
+                </a:solidFill>
+                <a:effectLst>
+                  <a:outerShdw blurRad="38100" dist="38100" dir="2700000" algn="tl">
+                    <a:srgbClr val="000000">
+                      <a:alpha val="43137"/>
+                    </a:srgbClr>
+                  </a:outerShdw>
+                </a:effectLst>
+                <a:latin typeface="+mj-lt"/>
+                <a:ea typeface="+mj-ea"/>
+                <a:cs typeface="+mj-cs"/>
+              </a:rPr>
+              <a:t>State</a:t>
+            </a:r>
+            <a:endParaRPr lang="ru-RU" sz="2400" dirty="0">
+              <a:solidFill>
+                <a:schemeClr val="tx2">
+                  <a:lumMod val="90000"/>
+                </a:schemeClr>
+              </a:solidFill>
+              <a:effectLst>
+                <a:outerShdw blurRad="38100" dist="38100" dir="2700000" algn="tl">
+                  <a:srgbClr val="000000">
+                    <a:alpha val="43137"/>
+                  </a:srgbClr>
+                </a:outerShdw>
+              </a:effectLst>
+              <a:latin typeface="+mj-lt"/>
+              <a:ea typeface="+mj-ea"/>
+              <a:cs typeface="+mj-cs"/>
+            </a:endParaRPr>
+          </a:p>
+        </p:txBody>
+      </p:sp>
+      <p:sp>
+        <p:nvSpPr>
+          <p:cNvPr id="9" name="TextBox 8"/>
+          <p:cNvSpPr txBox="1"/>
+          <p:nvPr/>
+        </p:nvSpPr>
+        <p:spPr>
+          <a:xfrm>
+            <a:off x="6044492" y="3255534"/>
+            <a:ext cx="1382110" cy="461665"/>
+          </a:xfrm>
+          <a:prstGeom prst="rect">
+            <a:avLst/>
+          </a:prstGeom>
+          <a:noFill/>
+        </p:spPr>
+        <p:txBody>
+          <a:bodyPr wrap="none" rtlCol="0">
+            <a:spAutoFit/>
+          </a:bodyPr>
+          <a:lstStyle/>
+          <a:p>
+            <a:pPr>
+              <a:spcBef>
+                <a:spcPct val="0"/>
+              </a:spcBef>
+            </a:pPr>
+            <a:r>
+              <a:rPr lang="en-US" sz="2400" dirty="0" smtClean="0">
+                <a:solidFill>
+                  <a:schemeClr val="tx2">
+                    <a:lumMod val="90000"/>
+                  </a:schemeClr>
+                </a:solidFill>
+                <a:effectLst>
+                  <a:outerShdw blurRad="38100" dist="38100" dir="2700000" algn="tl">
+                    <a:srgbClr val="000000">
+                      <a:alpha val="43137"/>
+                    </a:srgbClr>
+                  </a:outerShdw>
+                </a:effectLst>
+                <a:latin typeface="+mj-lt"/>
+                <a:ea typeface="+mj-ea"/>
+                <a:cs typeface="+mj-cs"/>
+              </a:rPr>
+              <a:t>Behavior</a:t>
+            </a:r>
+            <a:endParaRPr lang="ru-RU" sz="2400" dirty="0">
+              <a:solidFill>
+                <a:schemeClr val="tx2">
+                  <a:lumMod val="90000"/>
+                </a:schemeClr>
+              </a:solidFill>
+              <a:effectLst>
+                <a:outerShdw blurRad="38100" dist="38100" dir="2700000" algn="tl">
+                  <a:srgbClr val="000000">
+                    <a:alpha val="43137"/>
+                  </a:srgbClr>
+                </a:outerShdw>
+              </a:effectLst>
+              <a:latin typeface="+mj-lt"/>
+              <a:ea typeface="+mj-ea"/>
+              <a:cs typeface="+mj-cs"/>
+            </a:endParaRPr>
+          </a:p>
+        </p:txBody>
+      </p:sp>
+      <p:cxnSp>
+        <p:nvCxnSpPr>
+          <p:cNvPr id="13" name="Прямая со стрелкой 12"/>
+          <p:cNvCxnSpPr/>
+          <p:nvPr/>
+        </p:nvCxnSpPr>
+        <p:spPr>
+          <a:xfrm>
+            <a:off x="5124003" y="2297939"/>
+            <a:ext cx="1586764" cy="957595"/>
+          </a:xfrm>
+          <a:prstGeom prst="straightConnector1">
+            <a:avLst/>
+          </a:prstGeom>
+          <a:ln w="28575">
+            <a:solidFill>
+              <a:srgbClr val="92D050"/>
+            </a:solidFill>
+            <a:tailEnd type="triangle" w="lg" len="lg"/>
+          </a:ln>
+        </p:spPr>
+        <p:style>
+          <a:lnRef idx="1">
+            <a:schemeClr val="accent5"/>
+          </a:lnRef>
+          <a:fillRef idx="0">
+            <a:schemeClr val="accent5"/>
+          </a:fillRef>
+          <a:effectRef idx="0">
+            <a:schemeClr val="accent5"/>
+          </a:effectRef>
+          <a:fontRef idx="minor">
+            <a:schemeClr val="tx1"/>
+          </a:fontRef>
+        </p:style>
+      </p:cxnSp>
+      <p:sp>
+        <p:nvSpPr>
+          <p:cNvPr id="16" name="TextBox 15"/>
+          <p:cNvSpPr txBox="1"/>
+          <p:nvPr/>
+        </p:nvSpPr>
+        <p:spPr>
+          <a:xfrm>
+            <a:off x="2385244" y="4269907"/>
+            <a:ext cx="793807" cy="461665"/>
+          </a:xfrm>
+          <a:prstGeom prst="rect">
+            <a:avLst/>
+          </a:prstGeom>
+          <a:noFill/>
+        </p:spPr>
+        <p:txBody>
+          <a:bodyPr wrap="none" rtlCol="0">
+            <a:spAutoFit/>
+          </a:bodyPr>
+          <a:lstStyle/>
+          <a:p>
+            <a:pPr>
+              <a:spcBef>
+                <a:spcPct val="0"/>
+              </a:spcBef>
+            </a:pPr>
+            <a:r>
+              <a:rPr lang="en-US" sz="2400" dirty="0" smtClean="0">
+                <a:solidFill>
+                  <a:schemeClr val="tx2">
+                    <a:lumMod val="90000"/>
+                  </a:schemeClr>
+                </a:solidFill>
+                <a:effectLst>
+                  <a:outerShdw blurRad="38100" dist="38100" dir="2700000" algn="tl">
+                    <a:srgbClr val="000000">
+                      <a:alpha val="43137"/>
+                    </a:srgbClr>
+                  </a:outerShdw>
+                </a:effectLst>
+                <a:latin typeface="+mj-lt"/>
+                <a:ea typeface="+mj-ea"/>
+                <a:cs typeface="+mj-cs"/>
+              </a:rPr>
+              <a:t>Stub</a:t>
+            </a:r>
+            <a:endParaRPr lang="ru-RU" sz="2400" dirty="0">
+              <a:solidFill>
+                <a:schemeClr val="tx2">
+                  <a:lumMod val="90000"/>
+                </a:schemeClr>
+              </a:solidFill>
+              <a:effectLst>
+                <a:outerShdw blurRad="38100" dist="38100" dir="2700000" algn="tl">
+                  <a:srgbClr val="000000">
+                    <a:alpha val="43137"/>
+                  </a:srgbClr>
+                </a:outerShdw>
+              </a:effectLst>
+              <a:latin typeface="+mj-lt"/>
+              <a:ea typeface="+mj-ea"/>
+              <a:cs typeface="+mj-cs"/>
+            </a:endParaRPr>
+          </a:p>
+        </p:txBody>
+      </p:sp>
+      <p:sp>
+        <p:nvSpPr>
+          <p:cNvPr id="17" name="TextBox 16"/>
+          <p:cNvSpPr txBox="1"/>
+          <p:nvPr/>
+        </p:nvSpPr>
+        <p:spPr>
+          <a:xfrm>
+            <a:off x="6297766" y="4269906"/>
+            <a:ext cx="875561" cy="461665"/>
+          </a:xfrm>
+          <a:prstGeom prst="rect">
+            <a:avLst/>
+          </a:prstGeom>
+          <a:noFill/>
+        </p:spPr>
+        <p:txBody>
+          <a:bodyPr wrap="none" rtlCol="0">
+            <a:spAutoFit/>
+          </a:bodyPr>
+          <a:lstStyle/>
+          <a:p>
+            <a:pPr>
+              <a:spcBef>
+                <a:spcPct val="0"/>
+              </a:spcBef>
+            </a:pPr>
+            <a:r>
+              <a:rPr lang="en-US" sz="2400" dirty="0" smtClean="0">
+                <a:solidFill>
+                  <a:schemeClr val="tx2">
+                    <a:lumMod val="90000"/>
+                  </a:schemeClr>
+                </a:solidFill>
+                <a:effectLst>
+                  <a:outerShdw blurRad="38100" dist="38100" dir="2700000" algn="tl">
+                    <a:srgbClr val="000000">
+                      <a:alpha val="43137"/>
+                    </a:srgbClr>
+                  </a:outerShdw>
+                </a:effectLst>
+                <a:latin typeface="+mj-lt"/>
+                <a:ea typeface="+mj-ea"/>
+                <a:cs typeface="+mj-cs"/>
+              </a:rPr>
+              <a:t>Mock</a:t>
+            </a:r>
+          </a:p>
+        </p:txBody>
+      </p:sp>
+      <p:sp>
+        <p:nvSpPr>
+          <p:cNvPr id="18" name="Прямоугольник 17"/>
+          <p:cNvSpPr/>
+          <p:nvPr/>
+        </p:nvSpPr>
+        <p:spPr>
+          <a:xfrm>
+            <a:off x="2079577" y="4243008"/>
+            <a:ext cx="1433643" cy="515460"/>
+          </a:xfrm>
+          <a:prstGeom prst="rect">
+            <a:avLst/>
+          </a:prstGeom>
+          <a:solidFill>
+            <a:schemeClr val="tx1">
+              <a:lumMod val="95000"/>
+              <a:alpha val="10196"/>
+            </a:schemeClr>
+          </a:solidFill>
+          <a:ln>
+            <a:noFill/>
+          </a:ln>
+        </p:spPr>
+        <p:style>
+          <a:lnRef idx="2">
+            <a:schemeClr val="accent1">
+              <a:shade val="50000"/>
+            </a:schemeClr>
+          </a:lnRef>
+          <a:fillRef idx="1">
+            <a:schemeClr val="accent1"/>
+          </a:fillRef>
+          <a:effectRef idx="0">
+            <a:schemeClr val="accent1"/>
+          </a:effectRef>
+          <a:fontRef idx="minor">
+            <a:schemeClr val="lt1"/>
+          </a:fontRef>
+        </p:style>
+        <p:txBody>
+          <a:bodyPr rtlCol="0" anchor="ctr"/>
+          <a:lstStyle/>
+          <a:p>
+            <a:pPr algn="ctr"/>
+            <a:endParaRPr lang="ru-RU" dirty="0">
+              <a:effectLst>
+                <a:outerShdw blurRad="38100" dist="38100" dir="2700000" algn="tl">
+                  <a:srgbClr val="000000">
+                    <a:alpha val="43137"/>
+                  </a:srgbClr>
+                </a:outerShdw>
+              </a:effectLst>
+            </a:endParaRPr>
+          </a:p>
+        </p:txBody>
+      </p:sp>
+      <p:sp>
+        <p:nvSpPr>
+          <p:cNvPr id="19" name="Прямоугольник 18"/>
+          <p:cNvSpPr/>
+          <p:nvPr/>
+        </p:nvSpPr>
+        <p:spPr>
+          <a:xfrm>
+            <a:off x="6018724" y="4243008"/>
+            <a:ext cx="1433643" cy="515460"/>
+          </a:xfrm>
+          <a:prstGeom prst="rect">
+            <a:avLst/>
+          </a:prstGeom>
+          <a:solidFill>
+            <a:schemeClr val="tx1">
+              <a:lumMod val="95000"/>
+              <a:alpha val="10196"/>
+            </a:schemeClr>
+          </a:solidFill>
+          <a:ln>
+            <a:noFill/>
+          </a:ln>
+        </p:spPr>
+        <p:style>
+          <a:lnRef idx="2">
+            <a:schemeClr val="accent1">
+              <a:shade val="50000"/>
+            </a:schemeClr>
+          </a:lnRef>
+          <a:fillRef idx="1">
+            <a:schemeClr val="accent1"/>
+          </a:fillRef>
+          <a:effectRef idx="0">
+            <a:schemeClr val="accent1"/>
+          </a:effectRef>
+          <a:fontRef idx="minor">
+            <a:schemeClr val="lt1"/>
+          </a:fontRef>
+        </p:style>
+        <p:txBody>
+          <a:bodyPr rtlCol="0" anchor="ctr"/>
+          <a:lstStyle/>
+          <a:p>
+            <a:pPr algn="ctr"/>
+            <a:endParaRPr lang="ru-RU" dirty="0">
+              <a:effectLst>
+                <a:outerShdw blurRad="38100" dist="38100" dir="2700000" algn="tl">
+                  <a:srgbClr val="000000">
+                    <a:alpha val="43137"/>
+                  </a:srgbClr>
+                </a:outerShdw>
+              </a:effectLst>
+            </a:endParaRPr>
+          </a:p>
+        </p:txBody>
+      </p:sp>
+      <p:sp>
+        <p:nvSpPr>
+          <p:cNvPr id="3" name="Номер слайда 2"/>
+          <p:cNvSpPr>
+            <a:spLocks noGrp="1"/>
+          </p:cNvSpPr>
+          <p:nvPr>
+            <p:ph type="sldNum" sz="quarter" idx="12"/>
+          </p:nvPr>
+        </p:nvSpPr>
+        <p:spPr/>
+        <p:txBody>
+          <a:bodyPr/>
+          <a:lstStyle/>
+          <a:p>
+            <a:fld id="{D57F1E4F-1CFF-5643-939E-217C01CDF565}" type="slidenum">
+              <a:rPr lang="en-US" smtClean="0"/>
+              <a:pPr/>
+              <a:t>10</a:t>
+            </a:fld>
+            <a:endParaRPr lang="en-US" dirty="0"/>
+          </a:p>
+        </p:txBody>
+      </p:sp>
+    </p:spTree>
+    <p:extLst>
+      <p:ext uri="{BB962C8B-B14F-4D97-AF65-F5344CB8AC3E}">
+        <p14:creationId xmlns:p14="http://schemas.microsoft.com/office/powerpoint/2010/main" val="1177642406"/>
+      </p:ext>
+    </p:extLst>
+  </p:cSld>
+  <p:clrMapOvr>
+    <a:masterClrMapping/>
+  </p:clrMapOvr>
+  <p:timing>
+    <p:tnLst>
+      <p:par>
+        <p:cTn id="1" dur="indefinite" restart="never" nodeType="tmRoot">
+          <p:childTnLst>
+            <p:seq concurrent="1" nextAc="seek">
+              <p:cTn id="2" dur="indefinite" nodeType="mainSeq">
+                <p:childTnLst>
+                  <p:par>
+                    <p:cTn id="3" fill="hold">
+                      <p:stCondLst>
+                        <p:cond delay="indefinite"/>
+                        <p:cond evt="onBegin" delay="0">
+                          <p:tn val="2"/>
+                        </p:cond>
+                      </p:stCondLst>
+                      <p:childTnLst>
+                        <p:par>
+                          <p:cTn id="4" fill="hold">
+                            <p:stCondLst>
+                              <p:cond delay="0"/>
+                            </p:stCondLst>
+                            <p:childTnLst>
+                              <p:par>
+                                <p:cTn id="5" presetID="1" presetClass="entr" presetSubtype="0" fill="hold" nodeType="withEffect">
+                                  <p:stCondLst>
+                                    <p:cond delay="0"/>
+                                  </p:stCondLst>
+                                  <p:childTnLst>
+                                    <p:set>
+                                      <p:cBhvr>
+                                        <p:cTn id="6" dur="1" fill="hold">
+                                          <p:stCondLst>
+                                            <p:cond delay="0"/>
+                                          </p:stCondLst>
+                                        </p:cTn>
+                                        <p:tgtEl>
+                                          <p:spTgt spid="7"/>
+                                        </p:tgtEl>
+                                        <p:attrNameLst>
+                                          <p:attrName>style.visibility</p:attrName>
+                                        </p:attrNameLst>
+                                      </p:cBhvr>
+                                      <p:to>
+                                        <p:strVal val="visible"/>
+                                      </p:to>
+                                    </p:set>
+                                  </p:childTnLst>
+                                </p:cTn>
+                              </p:par>
+                              <p:par>
+                                <p:cTn id="7" presetID="1" presetClass="entr" presetSubtype="0" fill="hold" nodeType="withEffect">
+                                  <p:stCondLst>
+                                    <p:cond delay="0"/>
+                                  </p:stCondLst>
+                                  <p:childTnLst>
+                                    <p:set>
+                                      <p:cBhvr>
+                                        <p:cTn id="8" dur="1" fill="hold">
+                                          <p:stCondLst>
+                                            <p:cond delay="0"/>
+                                          </p:stCondLst>
+                                        </p:cTn>
+                                        <p:tgtEl>
+                                          <p:spTgt spid="13"/>
+                                        </p:tgtEl>
+                                        <p:attrNameLst>
+                                          <p:attrName>style.visibility</p:attrName>
+                                        </p:attrNameLst>
+                                      </p:cBhvr>
+                                      <p:to>
+                                        <p:strVal val="visible"/>
+                                      </p:to>
+                                    </p:set>
+                                  </p:childTnLst>
+                                </p:cTn>
+                              </p:par>
+                              <p:par>
+                                <p:cTn id="9" presetID="1" presetClass="entr" presetSubtype="0" fill="hold" grpId="0" nodeType="withEffect">
+                                  <p:stCondLst>
+                                    <p:cond delay="0"/>
+                                  </p:stCondLst>
+                                  <p:childTnLst>
+                                    <p:set>
+                                      <p:cBhvr>
+                                        <p:cTn id="10" dur="1" fill="hold">
+                                          <p:stCondLst>
+                                            <p:cond delay="0"/>
+                                          </p:stCondLst>
+                                        </p:cTn>
+                                        <p:tgtEl>
+                                          <p:spTgt spid="18"/>
+                                        </p:tgtEl>
+                                        <p:attrNameLst>
+                                          <p:attrName>style.visibility</p:attrName>
+                                        </p:attrNameLst>
+                                      </p:cBhvr>
+                                      <p:to>
+                                        <p:strVal val="visible"/>
+                                      </p:to>
+                                    </p:set>
+                                  </p:childTnLst>
+                                </p:cTn>
+                              </p:par>
+                              <p:par>
+                                <p:cTn id="11" presetID="1" presetClass="entr" presetSubtype="0" fill="hold" grpId="0" nodeType="withEffect">
+                                  <p:stCondLst>
+                                    <p:cond delay="0"/>
+                                  </p:stCondLst>
+                                  <p:childTnLst>
+                                    <p:set>
+                                      <p:cBhvr>
+                                        <p:cTn id="12" dur="1" fill="hold">
+                                          <p:stCondLst>
+                                            <p:cond delay="0"/>
+                                          </p:stCondLst>
+                                        </p:cTn>
+                                        <p:tgtEl>
+                                          <p:spTgt spid="19"/>
+                                        </p:tgtEl>
+                                        <p:attrNameLst>
+                                          <p:attrName>style.visibility</p:attrName>
+                                        </p:attrNameLst>
+                                      </p:cBhvr>
+                                      <p:to>
+                                        <p:strVal val="visible"/>
+                                      </p:to>
+                                    </p:set>
+                                  </p:childTnLst>
+                                </p:cTn>
+                              </p:par>
+                            </p:childTnLst>
+                          </p:cTn>
+                        </p:par>
+                      </p:childTnLst>
+                    </p:cTn>
+                  </p:par>
+                </p:childTnLst>
+              </p:cTn>
+              <p:prevCondLst>
+                <p:cond evt="onPrev" delay="0">
+                  <p:tgtEl>
+                    <p:sldTgt/>
+                  </p:tgtEl>
+                </p:cond>
+              </p:prevCondLst>
+              <p:nextCondLst>
+                <p:cond evt="onNext" delay="0">
+                  <p:tgtEl>
+                    <p:sldTgt/>
+                  </p:tgtEl>
+                </p:cond>
+              </p:nextCondLst>
+            </p:seq>
+          </p:childTnLst>
+        </p:cTn>
+      </p:par>
+    </p:tnLst>
+    <p:bldLst>
+      <p:bldP spid="18" grpId="0" animBg="1"/>
+      <p:bldP spid="19" grpId="0" animBg="1"/>
+    </p:bldLst>
+  </p:timing>
+</p:sld>
+</file>
+
+<file path=ppt/slides/slide11.xml><?xml version="1.0" encoding="utf-8"?>
+<p:sld xmlns:a="http://schemas.openxmlformats.org/drawingml/2006/main" xmlns:r="http://schemas.openxmlformats.org/officeDocument/2006/relationships" xmlns:p="http://schemas.openxmlformats.org/presentationml/2006/main">
+  <p:cSld>
+    <p:spTree>
+      <p:nvGrpSpPr>
+        <p:cNvPr id="1" name=""/>
+        <p:cNvGrpSpPr/>
+        <p:nvPr/>
+      </p:nvGrpSpPr>
+      <p:grpSpPr>
+        <a:xfrm>
+          <a:off x="0" y="0"/>
+          <a:ext cx="0" cy="0"/>
+          <a:chOff x="0" y="0"/>
+          <a:chExt cx="0" cy="0"/>
+        </a:xfrm>
+      </p:grpSpPr>
+      <p:sp>
+        <p:nvSpPr>
           <p:cNvPr id="11" name="Прямоугольник 10"/>
           <p:cNvSpPr/>
           <p:nvPr/>
@@ -7122,6 +8000,30 @@
           </a:p>
         </p:txBody>
       </p:sp>
+      <p:sp>
+        <p:nvSpPr>
+          <p:cNvPr id="3" name="Номер слайда 2"/>
+          <p:cNvSpPr>
+            <a:spLocks noGrp="1"/>
+          </p:cNvSpPr>
+          <p:nvPr>
+            <p:ph type="sldNum" sz="quarter" idx="12"/>
+          </p:nvPr>
+        </p:nvSpPr>
+        <p:spPr/>
+        <p:txBody>
+          <a:bodyPr/>
+          <a:lstStyle/>
+          <a:p>
+            <a:fld id="{D57F1E4F-1CFF-5643-939E-217C01CDF565}" type="slidenum">
+              <a:rPr lang="en-US" smtClean="0"/>
+              <a:pPr/>
+              <a:t>11</a:t>
+            </a:fld>
+            <a:endParaRPr lang="en-US" dirty="0"/>
+          </a:p>
+        </p:txBody>
+      </p:sp>
     </p:spTree>
     <p:extLst>
       <p:ext uri="{BB962C8B-B14F-4D97-AF65-F5344CB8AC3E}">
@@ -7142,7 +8044,7 @@
 </p:sld>
 </file>
 
-<file path=ppt/slides/slide11.xml><?xml version="1.0" encoding="utf-8"?>
+<file path=ppt/slides/slide12.xml><?xml version="1.0" encoding="utf-8"?>
 <p:sld xmlns:a="http://schemas.openxmlformats.org/drawingml/2006/main" xmlns:r="http://schemas.openxmlformats.org/officeDocument/2006/relationships" xmlns:p="http://schemas.openxmlformats.org/presentationml/2006/main">
   <p:cSld>
     <p:spTree>
@@ -7646,6 +8548,30 @@
           </a:fontRef>
         </p:style>
       </p:cxnSp>
+      <p:sp>
+        <p:nvSpPr>
+          <p:cNvPr id="3" name="Номер слайда 2"/>
+          <p:cNvSpPr>
+            <a:spLocks noGrp="1"/>
+          </p:cNvSpPr>
+          <p:nvPr>
+            <p:ph type="sldNum" sz="quarter" idx="12"/>
+          </p:nvPr>
+        </p:nvSpPr>
+        <p:spPr/>
+        <p:txBody>
+          <a:bodyPr/>
+          <a:lstStyle/>
+          <a:p>
+            <a:fld id="{D57F1E4F-1CFF-5643-939E-217C01CDF565}" type="slidenum">
+              <a:rPr lang="en-US" smtClean="0"/>
+              <a:pPr/>
+              <a:t>12</a:t>
+            </a:fld>
+            <a:endParaRPr lang="en-US" dirty="0"/>
+          </a:p>
+        </p:txBody>
+      </p:sp>
     </p:spTree>
     <p:extLst>
       <p:ext uri="{BB962C8B-B14F-4D97-AF65-F5344CB8AC3E}">
@@ -7666,7 +8592,7 @@
 </p:sld>
 </file>
 
-<file path=ppt/slides/slide12.xml><?xml version="1.0" encoding="utf-8"?>
+<file path=ppt/slides/slide13.xml><?xml version="1.0" encoding="utf-8"?>
 <p:sld xmlns:a="http://schemas.openxmlformats.org/drawingml/2006/main" xmlns:r="http://schemas.openxmlformats.org/officeDocument/2006/relationships" xmlns:p="http://schemas.openxmlformats.org/presentationml/2006/main">
   <p:cSld>
     <p:spTree>
@@ -7903,6 +8829,30 @@
           </a:p>
         </p:txBody>
       </p:sp>
+      <p:sp>
+        <p:nvSpPr>
+          <p:cNvPr id="3" name="Номер слайда 2"/>
+          <p:cNvSpPr>
+            <a:spLocks noGrp="1"/>
+          </p:cNvSpPr>
+          <p:nvPr>
+            <p:ph type="sldNum" sz="quarter" idx="12"/>
+          </p:nvPr>
+        </p:nvSpPr>
+        <p:spPr/>
+        <p:txBody>
+          <a:bodyPr/>
+          <a:lstStyle/>
+          <a:p>
+            <a:fld id="{D57F1E4F-1CFF-5643-939E-217C01CDF565}" type="slidenum">
+              <a:rPr lang="en-US" smtClean="0"/>
+              <a:pPr/>
+              <a:t>13</a:t>
+            </a:fld>
+            <a:endParaRPr lang="en-US" dirty="0"/>
+          </a:p>
+        </p:txBody>
+      </p:sp>
     </p:spTree>
     <p:extLst>
       <p:ext uri="{BB962C8B-B14F-4D97-AF65-F5344CB8AC3E}">
@@ -7917,6 +8867,1714 @@
     <p:tnLst>
       <p:par>
         <p:cTn id="1" dur="indefinite" restart="never" nodeType="tmRoot"/>
+      </p:par>
+    </p:tnLst>
+  </p:timing>
+</p:sld>
+</file>
+
+<file path=ppt/slides/slide14.xml><?xml version="1.0" encoding="utf-8"?>
+<p:sld xmlns:a="http://schemas.openxmlformats.org/drawingml/2006/main" xmlns:r="http://schemas.openxmlformats.org/officeDocument/2006/relationships" xmlns:p="http://schemas.openxmlformats.org/presentationml/2006/main">
+  <p:cSld>
+    <p:spTree>
+      <p:nvGrpSpPr>
+        <p:cNvPr id="1" name=""/>
+        <p:cNvGrpSpPr/>
+        <p:nvPr/>
+      </p:nvGrpSpPr>
+      <p:grpSpPr>
+        <a:xfrm>
+          <a:off x="0" y="0"/>
+          <a:ext cx="0" cy="0"/>
+          <a:chOff x="0" y="0"/>
+          <a:chExt cx="0" cy="0"/>
+        </a:xfrm>
+      </p:grpSpPr>
+      <p:sp>
+        <p:nvSpPr>
+          <p:cNvPr id="2" name="Заголовок 1"/>
+          <p:cNvSpPr>
+            <a:spLocks noGrp="1"/>
+          </p:cNvSpPr>
+          <p:nvPr>
+            <p:ph type="title"/>
+          </p:nvPr>
+        </p:nvSpPr>
+        <p:spPr/>
+        <p:txBody>
+          <a:bodyPr/>
+          <a:lstStyle/>
+          <a:p>
+            <a:r>
+              <a:rPr lang="en-US" dirty="0" smtClean="0">
+                <a:effectLst>
+                  <a:outerShdw blurRad="38100" dist="38100" dir="2700000" algn="tl">
+                    <a:srgbClr val="000000">
+                      <a:alpha val="43137"/>
+                    </a:srgbClr>
+                  </a:outerShdw>
+                </a:effectLst>
+              </a:rPr>
+              <a:t>Test</a:t>
+            </a:r>
+            <a:r>
+              <a:rPr lang="en-US" dirty="0" smtClean="0"/>
+              <a:t> </a:t>
+            </a:r>
+            <a:r>
+              <a:rPr lang="en-US" dirty="0" smtClean="0">
+                <a:effectLst>
+                  <a:outerShdw blurRad="38100" dist="38100" dir="2700000" algn="tl">
+                    <a:srgbClr val="000000">
+                      <a:alpha val="43137"/>
+                    </a:srgbClr>
+                  </a:outerShdw>
+                </a:effectLst>
+              </a:rPr>
+              <a:t>coverage</a:t>
+            </a:r>
+            <a:endParaRPr lang="ru-RU" dirty="0">
+              <a:effectLst>
+                <a:outerShdw blurRad="38100" dist="38100" dir="2700000" algn="tl">
+                  <a:srgbClr val="000000">
+                    <a:alpha val="43137"/>
+                  </a:srgbClr>
+                </a:outerShdw>
+              </a:effectLst>
+            </a:endParaRPr>
+          </a:p>
+        </p:txBody>
+      </p:sp>
+      <p:sp>
+        <p:nvSpPr>
+          <p:cNvPr id="5" name="TextBox 4"/>
+          <p:cNvSpPr txBox="1"/>
+          <p:nvPr/>
+        </p:nvSpPr>
+        <p:spPr>
+          <a:xfrm>
+            <a:off x="1366614" y="2129379"/>
+            <a:ext cx="6298519" cy="523220"/>
+          </a:xfrm>
+          <a:prstGeom prst="rect">
+            <a:avLst/>
+          </a:prstGeom>
+          <a:noFill/>
+        </p:spPr>
+        <p:txBody>
+          <a:bodyPr wrap="none" rtlCol="0">
+            <a:spAutoFit/>
+          </a:bodyPr>
+          <a:lstStyle/>
+          <a:p>
+            <a:pPr>
+              <a:spcBef>
+                <a:spcPct val="0"/>
+              </a:spcBef>
+            </a:pPr>
+            <a:r>
+              <a:rPr lang="en-US" sz="2800" dirty="0" smtClean="0">
+                <a:solidFill>
+                  <a:schemeClr val="tx2">
+                    <a:lumMod val="90000"/>
+                  </a:schemeClr>
+                </a:solidFill>
+                <a:effectLst>
+                  <a:outerShdw blurRad="38100" dist="38100" dir="2700000" algn="tl">
+                    <a:srgbClr val="000000">
+                      <a:alpha val="43137"/>
+                    </a:srgbClr>
+                  </a:outerShdw>
+                </a:effectLst>
+                <a:latin typeface="+mj-lt"/>
+                <a:ea typeface="+mj-ea"/>
+                <a:cs typeface="+mj-cs"/>
+              </a:rPr>
+              <a:t>Shows what code is executed in tests.</a:t>
+            </a:r>
+            <a:endParaRPr lang="ru-RU" sz="2800" dirty="0">
+              <a:solidFill>
+                <a:schemeClr val="tx2">
+                  <a:lumMod val="90000"/>
+                </a:schemeClr>
+              </a:solidFill>
+              <a:effectLst>
+                <a:outerShdw blurRad="38100" dist="38100" dir="2700000" algn="tl">
+                  <a:srgbClr val="000000">
+                    <a:alpha val="43137"/>
+                  </a:srgbClr>
+                </a:outerShdw>
+              </a:effectLst>
+              <a:latin typeface="+mj-lt"/>
+              <a:ea typeface="+mj-ea"/>
+              <a:cs typeface="+mj-cs"/>
+            </a:endParaRPr>
+          </a:p>
+        </p:txBody>
+      </p:sp>
+      <p:sp>
+        <p:nvSpPr>
+          <p:cNvPr id="6" name="TextBox 5"/>
+          <p:cNvSpPr txBox="1"/>
+          <p:nvPr/>
+        </p:nvSpPr>
+        <p:spPr>
+          <a:xfrm>
+            <a:off x="1366614" y="3126157"/>
+            <a:ext cx="2408801" cy="523220"/>
+          </a:xfrm>
+          <a:prstGeom prst="rect">
+            <a:avLst/>
+          </a:prstGeom>
+          <a:noFill/>
+        </p:spPr>
+        <p:txBody>
+          <a:bodyPr wrap="none" rtlCol="0">
+            <a:spAutoFit/>
+          </a:bodyPr>
+          <a:lstStyle/>
+          <a:p>
+            <a:pPr>
+              <a:spcBef>
+                <a:spcPct val="0"/>
+              </a:spcBef>
+            </a:pPr>
+            <a:r>
+              <a:rPr lang="en-US" sz="2800" dirty="0" smtClean="0">
+                <a:solidFill>
+                  <a:schemeClr val="tx2">
+                    <a:lumMod val="90000"/>
+                  </a:schemeClr>
+                </a:solidFill>
+                <a:effectLst>
+                  <a:outerShdw blurRad="38100" dist="38100" dir="2700000" algn="tl">
+                    <a:srgbClr val="000000">
+                      <a:alpha val="43137"/>
+                    </a:srgbClr>
+                  </a:outerShdw>
+                </a:effectLst>
+                <a:latin typeface="+mj-lt"/>
+                <a:ea typeface="+mj-ea"/>
+                <a:cs typeface="+mj-cs"/>
+              </a:rPr>
+              <a:t>Popular tools:</a:t>
+            </a:r>
+            <a:endParaRPr lang="ru-RU" sz="2800" dirty="0">
+              <a:solidFill>
+                <a:schemeClr val="tx2">
+                  <a:lumMod val="90000"/>
+                </a:schemeClr>
+              </a:solidFill>
+              <a:effectLst>
+                <a:outerShdw blurRad="38100" dist="38100" dir="2700000" algn="tl">
+                  <a:srgbClr val="000000">
+                    <a:alpha val="43137"/>
+                  </a:srgbClr>
+                </a:outerShdw>
+              </a:effectLst>
+              <a:latin typeface="+mj-lt"/>
+              <a:ea typeface="+mj-ea"/>
+              <a:cs typeface="+mj-cs"/>
+            </a:endParaRPr>
+          </a:p>
+        </p:txBody>
+      </p:sp>
+      <p:sp>
+        <p:nvSpPr>
+          <p:cNvPr id="7" name="TextBox 6"/>
+          <p:cNvSpPr txBox="1"/>
+          <p:nvPr/>
+        </p:nvSpPr>
+        <p:spPr>
+          <a:xfrm>
+            <a:off x="1366614" y="3649377"/>
+            <a:ext cx="5502853" cy="2169825"/>
+          </a:xfrm>
+          <a:prstGeom prst="rect">
+            <a:avLst/>
+          </a:prstGeom>
+          <a:noFill/>
+        </p:spPr>
+        <p:txBody>
+          <a:bodyPr wrap="none" rtlCol="0">
+            <a:spAutoFit/>
+          </a:bodyPr>
+          <a:lstStyle/>
+          <a:p>
+            <a:pPr indent="-285750">
+              <a:lnSpc>
+                <a:spcPct val="150000"/>
+              </a:lnSpc>
+              <a:spcBef>
+                <a:spcPct val="0"/>
+              </a:spcBef>
+              <a:buFont typeface="Arial" panose="020B0604020202020204" pitchFamily="34" charset="0"/>
+              <a:buChar char="•"/>
+            </a:pPr>
+            <a:r>
+              <a:rPr lang="en-US" dirty="0" err="1" smtClean="0">
+                <a:solidFill>
+                  <a:schemeClr val="tx2">
+                    <a:lumMod val="90000"/>
+                  </a:schemeClr>
+                </a:solidFill>
+                <a:effectLst>
+                  <a:outerShdw blurRad="38100" dist="38100" dir="2700000" algn="tl">
+                    <a:srgbClr val="000000">
+                      <a:alpha val="43137"/>
+                    </a:srgbClr>
+                  </a:outerShdw>
+                </a:effectLst>
+                <a:latin typeface="+mj-lt"/>
+                <a:ea typeface="+mj-ea"/>
+                <a:cs typeface="+mj-cs"/>
+              </a:rPr>
+              <a:t>JetBrains</a:t>
+            </a:r>
+            <a:r>
+              <a:rPr lang="en-US" dirty="0" smtClean="0">
+                <a:solidFill>
+                  <a:schemeClr val="tx2">
+                    <a:lumMod val="90000"/>
+                  </a:schemeClr>
+                </a:solidFill>
+                <a:effectLst>
+                  <a:outerShdw blurRad="38100" dist="38100" dir="2700000" algn="tl">
+                    <a:srgbClr val="000000">
+                      <a:alpha val="43137"/>
+                    </a:srgbClr>
+                  </a:outerShdw>
+                </a:effectLst>
+                <a:latin typeface="+mj-lt"/>
+                <a:ea typeface="+mj-ea"/>
+                <a:cs typeface="+mj-cs"/>
+              </a:rPr>
+              <a:t> </a:t>
+            </a:r>
+            <a:r>
+              <a:rPr lang="en-US" dirty="0" err="1" smtClean="0">
+                <a:solidFill>
+                  <a:schemeClr val="tx2">
+                    <a:lumMod val="90000"/>
+                  </a:schemeClr>
+                </a:solidFill>
+                <a:effectLst>
+                  <a:outerShdw blurRad="38100" dist="38100" dir="2700000" algn="tl">
+                    <a:srgbClr val="000000">
+                      <a:alpha val="43137"/>
+                    </a:srgbClr>
+                  </a:outerShdw>
+                </a:effectLst>
+                <a:latin typeface="+mj-lt"/>
+                <a:ea typeface="+mj-ea"/>
+                <a:cs typeface="+mj-cs"/>
+              </a:rPr>
+              <a:t>dotCover</a:t>
+            </a:r>
+            <a:endParaRPr lang="en-US" dirty="0" smtClean="0">
+              <a:solidFill>
+                <a:schemeClr val="tx2">
+                  <a:lumMod val="90000"/>
+                </a:schemeClr>
+              </a:solidFill>
+              <a:effectLst>
+                <a:outerShdw blurRad="38100" dist="38100" dir="2700000" algn="tl">
+                  <a:srgbClr val="000000">
+                    <a:alpha val="43137"/>
+                  </a:srgbClr>
+                </a:outerShdw>
+              </a:effectLst>
+              <a:latin typeface="+mj-lt"/>
+              <a:ea typeface="+mj-ea"/>
+              <a:cs typeface="+mj-cs"/>
+            </a:endParaRPr>
+          </a:p>
+          <a:p>
+            <a:pPr indent="-285750">
+              <a:lnSpc>
+                <a:spcPct val="150000"/>
+              </a:lnSpc>
+              <a:spcBef>
+                <a:spcPct val="0"/>
+              </a:spcBef>
+              <a:buFont typeface="Arial" panose="020B0604020202020204" pitchFamily="34" charset="0"/>
+              <a:buChar char="•"/>
+            </a:pPr>
+            <a:r>
+              <a:rPr lang="en-US" dirty="0" smtClean="0">
+                <a:solidFill>
+                  <a:schemeClr val="tx2">
+                    <a:lumMod val="90000"/>
+                  </a:schemeClr>
+                </a:solidFill>
+                <a:effectLst>
+                  <a:outerShdw blurRad="38100" dist="38100" dir="2700000" algn="tl">
+                    <a:srgbClr val="000000">
+                      <a:alpha val="43137"/>
+                    </a:srgbClr>
+                  </a:outerShdw>
+                </a:effectLst>
+                <a:latin typeface="+mj-lt"/>
+                <a:ea typeface="+mj-ea"/>
+                <a:cs typeface="+mj-cs"/>
+              </a:rPr>
+              <a:t>Built-in tool in Visual Studio Premium / Ultimate</a:t>
+            </a:r>
+          </a:p>
+          <a:p>
+            <a:pPr indent="-285750">
+              <a:lnSpc>
+                <a:spcPct val="150000"/>
+              </a:lnSpc>
+              <a:spcBef>
+                <a:spcPct val="0"/>
+              </a:spcBef>
+              <a:buFont typeface="Arial" panose="020B0604020202020204" pitchFamily="34" charset="0"/>
+              <a:buChar char="•"/>
+            </a:pPr>
+            <a:r>
+              <a:rPr lang="en-US" dirty="0" err="1" smtClean="0">
+                <a:solidFill>
+                  <a:schemeClr val="tx2">
+                    <a:lumMod val="90000"/>
+                  </a:schemeClr>
+                </a:solidFill>
+                <a:effectLst>
+                  <a:outerShdw blurRad="38100" dist="38100" dir="2700000" algn="tl">
+                    <a:srgbClr val="000000">
+                      <a:alpha val="43137"/>
+                    </a:srgbClr>
+                  </a:outerShdw>
+                </a:effectLst>
+                <a:latin typeface="+mj-lt"/>
+                <a:ea typeface="+mj-ea"/>
+                <a:cs typeface="+mj-cs"/>
+              </a:rPr>
+              <a:t>NCover</a:t>
+            </a:r>
+            <a:endParaRPr lang="en-US" dirty="0" smtClean="0">
+              <a:solidFill>
+                <a:schemeClr val="tx2">
+                  <a:lumMod val="90000"/>
+                </a:schemeClr>
+              </a:solidFill>
+              <a:effectLst>
+                <a:outerShdw blurRad="38100" dist="38100" dir="2700000" algn="tl">
+                  <a:srgbClr val="000000">
+                    <a:alpha val="43137"/>
+                  </a:srgbClr>
+                </a:outerShdw>
+              </a:effectLst>
+              <a:latin typeface="+mj-lt"/>
+              <a:ea typeface="+mj-ea"/>
+              <a:cs typeface="+mj-cs"/>
+            </a:endParaRPr>
+          </a:p>
+          <a:p>
+            <a:pPr indent="-285750">
+              <a:lnSpc>
+                <a:spcPct val="150000"/>
+              </a:lnSpc>
+              <a:spcBef>
+                <a:spcPct val="0"/>
+              </a:spcBef>
+              <a:buFont typeface="Arial" panose="020B0604020202020204" pitchFamily="34" charset="0"/>
+              <a:buChar char="•"/>
+            </a:pPr>
+            <a:r>
+              <a:rPr lang="en-US" dirty="0" err="1" smtClean="0">
+                <a:solidFill>
+                  <a:schemeClr val="tx2">
+                    <a:lumMod val="90000"/>
+                  </a:schemeClr>
+                </a:solidFill>
+                <a:effectLst>
+                  <a:outerShdw blurRad="38100" dist="38100" dir="2700000" algn="tl">
+                    <a:srgbClr val="000000">
+                      <a:alpha val="43137"/>
+                    </a:srgbClr>
+                  </a:outerShdw>
+                </a:effectLst>
+                <a:latin typeface="+mj-lt"/>
+                <a:ea typeface="+mj-ea"/>
+                <a:cs typeface="+mj-cs"/>
+              </a:rPr>
+              <a:t>OpenCover</a:t>
+            </a:r>
+            <a:r>
+              <a:rPr lang="en-US" dirty="0" smtClean="0">
+                <a:solidFill>
+                  <a:schemeClr val="tx2">
+                    <a:lumMod val="90000"/>
+                  </a:schemeClr>
+                </a:solidFill>
+                <a:effectLst>
+                  <a:outerShdw blurRad="38100" dist="38100" dir="2700000" algn="tl">
+                    <a:srgbClr val="000000">
+                      <a:alpha val="43137"/>
+                    </a:srgbClr>
+                  </a:outerShdw>
+                </a:effectLst>
+                <a:latin typeface="+mj-lt"/>
+                <a:ea typeface="+mj-ea"/>
+                <a:cs typeface="+mj-cs"/>
+              </a:rPr>
+              <a:t> (free)</a:t>
+            </a:r>
+          </a:p>
+          <a:p>
+            <a:pPr indent="-285750">
+              <a:lnSpc>
+                <a:spcPct val="150000"/>
+              </a:lnSpc>
+              <a:spcBef>
+                <a:spcPct val="0"/>
+              </a:spcBef>
+              <a:buFont typeface="Arial" panose="020B0604020202020204" pitchFamily="34" charset="0"/>
+              <a:buChar char="•"/>
+            </a:pPr>
+            <a:r>
+              <a:rPr lang="en-US" dirty="0" err="1" smtClean="0">
+                <a:solidFill>
+                  <a:schemeClr val="tx2">
+                    <a:lumMod val="90000"/>
+                  </a:schemeClr>
+                </a:solidFill>
+                <a:effectLst>
+                  <a:outerShdw blurRad="38100" dist="38100" dir="2700000" algn="tl">
+                    <a:srgbClr val="000000">
+                      <a:alpha val="43137"/>
+                    </a:srgbClr>
+                  </a:outerShdw>
+                </a:effectLst>
+                <a:latin typeface="+mj-lt"/>
+                <a:ea typeface="+mj-ea"/>
+                <a:cs typeface="+mj-cs"/>
+              </a:rPr>
+              <a:t>NCrunch</a:t>
+            </a:r>
+            <a:endParaRPr lang="en-US" dirty="0" smtClean="0">
+              <a:solidFill>
+                <a:schemeClr val="tx2">
+                  <a:lumMod val="90000"/>
+                </a:schemeClr>
+              </a:solidFill>
+              <a:effectLst>
+                <a:outerShdw blurRad="38100" dist="38100" dir="2700000" algn="tl">
+                  <a:srgbClr val="000000">
+                    <a:alpha val="43137"/>
+                  </a:srgbClr>
+                </a:outerShdw>
+              </a:effectLst>
+              <a:latin typeface="+mj-lt"/>
+              <a:ea typeface="+mj-ea"/>
+              <a:cs typeface="+mj-cs"/>
+            </a:endParaRPr>
+          </a:p>
+        </p:txBody>
+      </p:sp>
+      <p:sp>
+        <p:nvSpPr>
+          <p:cNvPr id="8" name="Номер слайда 7"/>
+          <p:cNvSpPr>
+            <a:spLocks noGrp="1"/>
+          </p:cNvSpPr>
+          <p:nvPr>
+            <p:ph type="sldNum" sz="quarter" idx="12"/>
+          </p:nvPr>
+        </p:nvSpPr>
+        <p:spPr/>
+        <p:txBody>
+          <a:bodyPr/>
+          <a:lstStyle/>
+          <a:p>
+            <a:fld id="{D57F1E4F-1CFF-5643-939E-217C01CDF565}" type="slidenum">
+              <a:rPr lang="en-US" smtClean="0"/>
+              <a:pPr/>
+              <a:t>14</a:t>
+            </a:fld>
+            <a:endParaRPr lang="en-US" dirty="0"/>
+          </a:p>
+        </p:txBody>
+      </p:sp>
+    </p:spTree>
+    <p:extLst>
+      <p:ext uri="{BB962C8B-B14F-4D97-AF65-F5344CB8AC3E}">
+        <p14:creationId xmlns:p14="http://schemas.microsoft.com/office/powerpoint/2010/main" val="376161176"/>
+      </p:ext>
+    </p:extLst>
+  </p:cSld>
+  <p:clrMapOvr>
+    <a:masterClrMapping/>
+  </p:clrMapOvr>
+  <p:timing>
+    <p:tnLst>
+      <p:par>
+        <p:cTn id="1" dur="indefinite" restart="never" nodeType="tmRoot"/>
+      </p:par>
+    </p:tnLst>
+  </p:timing>
+</p:sld>
+</file>
+
+<file path=ppt/slides/slide15.xml><?xml version="1.0" encoding="utf-8"?>
+<p:sld xmlns:a="http://schemas.openxmlformats.org/drawingml/2006/main" xmlns:r="http://schemas.openxmlformats.org/officeDocument/2006/relationships" xmlns:p="http://schemas.openxmlformats.org/presentationml/2006/main">
+  <p:cSld>
+    <p:spTree>
+      <p:nvGrpSpPr>
+        <p:cNvPr id="1" name=""/>
+        <p:cNvGrpSpPr/>
+        <p:nvPr/>
+      </p:nvGrpSpPr>
+      <p:grpSpPr>
+        <a:xfrm>
+          <a:off x="0" y="0"/>
+          <a:ext cx="0" cy="0"/>
+          <a:chOff x="0" y="0"/>
+          <a:chExt cx="0" cy="0"/>
+        </a:xfrm>
+      </p:grpSpPr>
+      <p:sp>
+        <p:nvSpPr>
+          <p:cNvPr id="20" name="Прямоугольник 19"/>
+          <p:cNvSpPr/>
+          <p:nvPr/>
+        </p:nvSpPr>
+        <p:spPr>
+          <a:xfrm>
+            <a:off x="2812122" y="1401340"/>
+            <a:ext cx="5112678" cy="1638422"/>
+          </a:xfrm>
+          <a:prstGeom prst="rect">
+            <a:avLst/>
+          </a:prstGeom>
+          <a:solidFill>
+            <a:schemeClr val="tx1">
+              <a:alpha val="5098"/>
+            </a:schemeClr>
+          </a:solidFill>
+          <a:ln>
+            <a:noFill/>
+          </a:ln>
+        </p:spPr>
+        <p:style>
+          <a:lnRef idx="2">
+            <a:schemeClr val="accent1">
+              <a:shade val="50000"/>
+            </a:schemeClr>
+          </a:lnRef>
+          <a:fillRef idx="1">
+            <a:schemeClr val="accent1"/>
+          </a:fillRef>
+          <a:effectRef idx="0">
+            <a:schemeClr val="accent1"/>
+          </a:effectRef>
+          <a:fontRef idx="minor">
+            <a:schemeClr val="lt1"/>
+          </a:fontRef>
+        </p:style>
+        <p:txBody>
+          <a:bodyPr rtlCol="0" anchor="ctr"/>
+          <a:lstStyle/>
+          <a:p>
+            <a:pPr algn="ctr"/>
+            <a:endParaRPr lang="ru-RU">
+              <a:effectLst>
+                <a:outerShdw blurRad="38100" dist="38100" dir="2700000" algn="tl">
+                  <a:srgbClr val="000000">
+                    <a:alpha val="43137"/>
+                  </a:srgbClr>
+                </a:outerShdw>
+              </a:effectLst>
+            </a:endParaRPr>
+          </a:p>
+        </p:txBody>
+      </p:sp>
+      <p:sp>
+        <p:nvSpPr>
+          <p:cNvPr id="2" name="Заголовок 1"/>
+          <p:cNvSpPr>
+            <a:spLocks noGrp="1"/>
+          </p:cNvSpPr>
+          <p:nvPr>
+            <p:ph type="title"/>
+          </p:nvPr>
+        </p:nvSpPr>
+        <p:spPr/>
+        <p:txBody>
+          <a:bodyPr/>
+          <a:lstStyle/>
+          <a:p>
+            <a:r>
+              <a:rPr lang="en-US" dirty="0" smtClean="0">
+                <a:effectLst>
+                  <a:outerShdw blurRad="38100" dist="38100" dir="2700000" algn="tl">
+                    <a:srgbClr val="000000">
+                      <a:alpha val="43137"/>
+                    </a:srgbClr>
+                  </a:outerShdw>
+                </a:effectLst>
+              </a:rPr>
+              <a:t>Behavior </a:t>
+            </a:r>
+            <a:r>
+              <a:rPr lang="en-US" dirty="0">
+                <a:effectLst>
+                  <a:outerShdw blurRad="38100" dist="38100" dir="2700000" algn="tl">
+                    <a:srgbClr val="000000">
+                      <a:alpha val="43137"/>
+                    </a:srgbClr>
+                  </a:outerShdw>
+                </a:effectLst>
+              </a:rPr>
+              <a:t>Driven </a:t>
+            </a:r>
+            <a:r>
+              <a:rPr lang="en-US" dirty="0" smtClean="0">
+                <a:effectLst>
+                  <a:outerShdw blurRad="38100" dist="38100" dir="2700000" algn="tl">
+                    <a:srgbClr val="000000">
+                      <a:alpha val="43137"/>
+                    </a:srgbClr>
+                  </a:outerShdw>
+                </a:effectLst>
+              </a:rPr>
+              <a:t>Development (</a:t>
+            </a:r>
+            <a:r>
+              <a:rPr lang="en-US" dirty="0">
+                <a:effectLst>
+                  <a:outerShdw blurRad="38100" dist="38100" dir="2700000" algn="tl">
+                    <a:srgbClr val="000000">
+                      <a:alpha val="43137"/>
+                    </a:srgbClr>
+                  </a:outerShdw>
+                </a:effectLst>
+              </a:rPr>
+              <a:t>BDD</a:t>
+            </a:r>
+            <a:r>
+              <a:rPr lang="en-US" dirty="0" smtClean="0">
+                <a:effectLst>
+                  <a:outerShdw blurRad="38100" dist="38100" dir="2700000" algn="tl">
+                    <a:srgbClr val="000000">
+                      <a:alpha val="43137"/>
+                    </a:srgbClr>
+                  </a:outerShdw>
+                </a:effectLst>
+              </a:rPr>
+              <a:t>)</a:t>
+            </a:r>
+            <a:endParaRPr lang="ru-RU" dirty="0">
+              <a:effectLst>
+                <a:outerShdw blurRad="38100" dist="38100" dir="2700000" algn="tl">
+                  <a:srgbClr val="000000">
+                    <a:alpha val="43137"/>
+                  </a:srgbClr>
+                </a:outerShdw>
+              </a:effectLst>
+            </a:endParaRPr>
+          </a:p>
+        </p:txBody>
+      </p:sp>
+      <p:sp>
+        <p:nvSpPr>
+          <p:cNvPr id="5" name="Номер слайда 4"/>
+          <p:cNvSpPr>
+            <a:spLocks noGrp="1"/>
+          </p:cNvSpPr>
+          <p:nvPr>
+            <p:ph type="sldNum" sz="quarter" idx="12"/>
+          </p:nvPr>
+        </p:nvSpPr>
+        <p:spPr/>
+        <p:txBody>
+          <a:bodyPr/>
+          <a:lstStyle/>
+          <a:p>
+            <a:fld id="{D57F1E4F-1CFF-5643-939E-217C01CDF565}" type="slidenum">
+              <a:rPr lang="en-US" smtClean="0"/>
+              <a:pPr/>
+              <a:t>15</a:t>
+            </a:fld>
+            <a:endParaRPr lang="en-US" dirty="0"/>
+          </a:p>
+        </p:txBody>
+      </p:sp>
+      <p:sp>
+        <p:nvSpPr>
+          <p:cNvPr id="6" name="TextBox 5"/>
+          <p:cNvSpPr txBox="1"/>
+          <p:nvPr/>
+        </p:nvSpPr>
+        <p:spPr>
+          <a:xfrm>
+            <a:off x="4147771" y="2479739"/>
+            <a:ext cx="737702" cy="461665"/>
+          </a:xfrm>
+          <a:prstGeom prst="rect">
+            <a:avLst/>
+          </a:prstGeom>
+          <a:noFill/>
+        </p:spPr>
+        <p:txBody>
+          <a:bodyPr wrap="none" rtlCol="0">
+            <a:spAutoFit/>
+          </a:bodyPr>
+          <a:lstStyle/>
+          <a:p>
+            <a:pPr>
+              <a:spcBef>
+                <a:spcPct val="0"/>
+              </a:spcBef>
+            </a:pPr>
+            <a:r>
+              <a:rPr lang="en-US" sz="2400" dirty="0" smtClean="0">
+                <a:solidFill>
+                  <a:schemeClr val="tx2">
+                    <a:lumMod val="90000"/>
+                  </a:schemeClr>
+                </a:solidFill>
+                <a:effectLst>
+                  <a:outerShdw blurRad="38100" dist="38100" dir="2700000" algn="tl">
+                    <a:srgbClr val="000000">
+                      <a:alpha val="43137"/>
+                    </a:srgbClr>
+                  </a:outerShdw>
+                </a:effectLst>
+                <a:latin typeface="+mj-lt"/>
+                <a:ea typeface="+mj-ea"/>
+                <a:cs typeface="+mj-cs"/>
+              </a:rPr>
+              <a:t>BDD</a:t>
+            </a:r>
+            <a:endParaRPr lang="ru-RU" sz="2400" dirty="0">
+              <a:solidFill>
+                <a:schemeClr val="tx2">
+                  <a:lumMod val="90000"/>
+                </a:schemeClr>
+              </a:solidFill>
+              <a:effectLst>
+                <a:outerShdw blurRad="38100" dist="38100" dir="2700000" algn="tl">
+                  <a:srgbClr val="000000">
+                    <a:alpha val="43137"/>
+                  </a:srgbClr>
+                </a:outerShdw>
+              </a:effectLst>
+              <a:latin typeface="+mj-lt"/>
+              <a:ea typeface="+mj-ea"/>
+              <a:cs typeface="+mj-cs"/>
+            </a:endParaRPr>
+          </a:p>
+        </p:txBody>
+      </p:sp>
+      <p:cxnSp>
+        <p:nvCxnSpPr>
+          <p:cNvPr id="7" name="Прямая со стрелкой 6"/>
+          <p:cNvCxnSpPr>
+            <a:stCxn id="6" idx="0"/>
+            <a:endCxn id="8" idx="2"/>
+          </p:cNvCxnSpPr>
+          <p:nvPr/>
+        </p:nvCxnSpPr>
+        <p:spPr>
+          <a:xfrm flipH="1" flipV="1">
+            <a:off x="3373793" y="1998753"/>
+            <a:ext cx="1142829" cy="480986"/>
+          </a:xfrm>
+          <a:prstGeom prst="straightConnector1">
+            <a:avLst/>
+          </a:prstGeom>
+          <a:ln w="28575">
+            <a:solidFill>
+              <a:srgbClr val="92D050"/>
+            </a:solidFill>
+            <a:tailEnd type="triangle" w="lg" len="lg"/>
+          </a:ln>
+        </p:spPr>
+        <p:style>
+          <a:lnRef idx="1">
+            <a:schemeClr val="accent5"/>
+          </a:lnRef>
+          <a:fillRef idx="0">
+            <a:schemeClr val="accent5"/>
+          </a:fillRef>
+          <a:effectRef idx="0">
+            <a:schemeClr val="accent5"/>
+          </a:effectRef>
+          <a:fontRef idx="minor">
+            <a:schemeClr val="tx1"/>
+          </a:fontRef>
+        </p:style>
+      </p:cxnSp>
+      <p:sp>
+        <p:nvSpPr>
+          <p:cNvPr id="8" name="TextBox 7"/>
+          <p:cNvSpPr txBox="1"/>
+          <p:nvPr/>
+        </p:nvSpPr>
+        <p:spPr>
+          <a:xfrm>
+            <a:off x="3003339" y="1537088"/>
+            <a:ext cx="740908" cy="461665"/>
+          </a:xfrm>
+          <a:prstGeom prst="rect">
+            <a:avLst/>
+          </a:prstGeom>
+          <a:noFill/>
+        </p:spPr>
+        <p:txBody>
+          <a:bodyPr wrap="none" rtlCol="0">
+            <a:spAutoFit/>
+          </a:bodyPr>
+          <a:lstStyle/>
+          <a:p>
+            <a:pPr>
+              <a:spcBef>
+                <a:spcPct val="0"/>
+              </a:spcBef>
+            </a:pPr>
+            <a:r>
+              <a:rPr lang="en-US" sz="2400" dirty="0" smtClean="0">
+                <a:solidFill>
+                  <a:schemeClr val="tx2">
+                    <a:lumMod val="90000"/>
+                  </a:schemeClr>
+                </a:solidFill>
+                <a:effectLst>
+                  <a:outerShdw blurRad="38100" dist="38100" dir="2700000" algn="tl">
+                    <a:srgbClr val="000000">
+                      <a:alpha val="43137"/>
+                    </a:srgbClr>
+                  </a:outerShdw>
+                </a:effectLst>
+                <a:latin typeface="+mj-lt"/>
+                <a:ea typeface="+mj-ea"/>
+                <a:cs typeface="+mj-cs"/>
+              </a:rPr>
+              <a:t>TDD</a:t>
+            </a:r>
+            <a:endParaRPr lang="ru-RU" sz="2400" dirty="0">
+              <a:solidFill>
+                <a:schemeClr val="tx2">
+                  <a:lumMod val="90000"/>
+                </a:schemeClr>
+              </a:solidFill>
+              <a:effectLst>
+                <a:outerShdw blurRad="38100" dist="38100" dir="2700000" algn="tl">
+                  <a:srgbClr val="000000">
+                    <a:alpha val="43137"/>
+                  </a:srgbClr>
+                </a:outerShdw>
+              </a:effectLst>
+              <a:latin typeface="+mj-lt"/>
+              <a:ea typeface="+mj-ea"/>
+              <a:cs typeface="+mj-cs"/>
+            </a:endParaRPr>
+          </a:p>
+        </p:txBody>
+      </p:sp>
+      <p:sp>
+        <p:nvSpPr>
+          <p:cNvPr id="9" name="TextBox 8"/>
+          <p:cNvSpPr txBox="1"/>
+          <p:nvPr/>
+        </p:nvSpPr>
+        <p:spPr>
+          <a:xfrm>
+            <a:off x="5240187" y="1537088"/>
+            <a:ext cx="2537874" cy="461665"/>
+          </a:xfrm>
+          <a:prstGeom prst="rect">
+            <a:avLst/>
+          </a:prstGeom>
+          <a:noFill/>
+        </p:spPr>
+        <p:txBody>
+          <a:bodyPr wrap="none" rtlCol="0">
+            <a:spAutoFit/>
+          </a:bodyPr>
+          <a:lstStyle/>
+          <a:p>
+            <a:pPr>
+              <a:spcBef>
+                <a:spcPct val="0"/>
+              </a:spcBef>
+            </a:pPr>
+            <a:r>
+              <a:rPr lang="en-US" sz="2400" dirty="0" smtClean="0">
+                <a:solidFill>
+                  <a:schemeClr val="tx2">
+                    <a:lumMod val="90000"/>
+                  </a:schemeClr>
+                </a:solidFill>
+                <a:effectLst>
+                  <a:outerShdw blurRad="38100" dist="38100" dir="2700000" algn="tl">
+                    <a:srgbClr val="000000">
+                      <a:alpha val="43137"/>
+                    </a:srgbClr>
+                  </a:outerShdw>
+                </a:effectLst>
+                <a:latin typeface="+mj-lt"/>
+                <a:ea typeface="+mj-ea"/>
+                <a:cs typeface="+mj-cs"/>
+              </a:rPr>
+              <a:t>Acceptance tests</a:t>
+            </a:r>
+            <a:endParaRPr lang="ru-RU" sz="2400" dirty="0">
+              <a:solidFill>
+                <a:schemeClr val="tx2">
+                  <a:lumMod val="90000"/>
+                </a:schemeClr>
+              </a:solidFill>
+              <a:effectLst>
+                <a:outerShdw blurRad="38100" dist="38100" dir="2700000" algn="tl">
+                  <a:srgbClr val="000000">
+                    <a:alpha val="43137"/>
+                  </a:srgbClr>
+                </a:outerShdw>
+              </a:effectLst>
+              <a:latin typeface="+mj-lt"/>
+              <a:ea typeface="+mj-ea"/>
+              <a:cs typeface="+mj-cs"/>
+            </a:endParaRPr>
+          </a:p>
+        </p:txBody>
+      </p:sp>
+      <p:cxnSp>
+        <p:nvCxnSpPr>
+          <p:cNvPr id="10" name="Прямая со стрелкой 9"/>
+          <p:cNvCxnSpPr>
+            <a:stCxn id="6" idx="0"/>
+            <a:endCxn id="9" idx="2"/>
+          </p:cNvCxnSpPr>
+          <p:nvPr/>
+        </p:nvCxnSpPr>
+        <p:spPr>
+          <a:xfrm flipV="1">
+            <a:off x="4516622" y="1998753"/>
+            <a:ext cx="1992502" cy="480986"/>
+          </a:xfrm>
+          <a:prstGeom prst="straightConnector1">
+            <a:avLst/>
+          </a:prstGeom>
+          <a:ln w="28575">
+            <a:solidFill>
+              <a:srgbClr val="92D050"/>
+            </a:solidFill>
+            <a:tailEnd type="triangle" w="lg" len="lg"/>
+          </a:ln>
+        </p:spPr>
+        <p:style>
+          <a:lnRef idx="1">
+            <a:schemeClr val="accent5"/>
+          </a:lnRef>
+          <a:fillRef idx="0">
+            <a:schemeClr val="accent5"/>
+          </a:fillRef>
+          <a:effectRef idx="0">
+            <a:schemeClr val="accent5"/>
+          </a:effectRef>
+          <a:fontRef idx="minor">
+            <a:schemeClr val="tx1"/>
+          </a:fontRef>
+        </p:style>
+      </p:cxnSp>
+      <p:sp>
+        <p:nvSpPr>
+          <p:cNvPr id="19" name="TextBox 18"/>
+          <p:cNvSpPr txBox="1"/>
+          <p:nvPr/>
+        </p:nvSpPr>
+        <p:spPr>
+          <a:xfrm>
+            <a:off x="677334" y="3216490"/>
+            <a:ext cx="8416278" cy="400110"/>
+          </a:xfrm>
+          <a:prstGeom prst="rect">
+            <a:avLst/>
+          </a:prstGeom>
+          <a:noFill/>
+        </p:spPr>
+        <p:txBody>
+          <a:bodyPr wrap="none" rtlCol="0">
+            <a:spAutoFit/>
+          </a:bodyPr>
+          <a:lstStyle/>
+          <a:p>
+            <a:pPr>
+              <a:spcBef>
+                <a:spcPct val="0"/>
+              </a:spcBef>
+            </a:pPr>
+            <a:r>
+              <a:rPr lang="en-US" sz="2000" dirty="0" smtClean="0">
+                <a:solidFill>
+                  <a:schemeClr val="tx2">
+                    <a:lumMod val="90000"/>
+                  </a:schemeClr>
+                </a:solidFill>
+                <a:effectLst>
+                  <a:outerShdw blurRad="38100" dist="38100" dir="2700000" algn="tl">
+                    <a:srgbClr val="000000">
+                      <a:alpha val="43137"/>
+                    </a:srgbClr>
+                  </a:outerShdw>
+                </a:effectLst>
+                <a:latin typeface="+mj-lt"/>
+                <a:ea typeface="+mj-ea"/>
+                <a:cs typeface="+mj-cs"/>
+              </a:rPr>
+              <a:t>In contrast to TDD, BDD provides a specification what s</a:t>
+            </a:r>
+            <a:r>
+              <a:rPr lang="en-US" sz="2000" dirty="0" smtClean="0">
+                <a:solidFill>
+                  <a:schemeClr val="tx2">
+                    <a:lumMod val="90000"/>
+                  </a:schemeClr>
+                </a:solidFill>
+                <a:effectLst>
+                  <a:outerShdw blurRad="38100" dist="38100" dir="2700000" algn="tl">
+                    <a:srgbClr val="000000">
+                      <a:alpha val="43137"/>
+                    </a:srgbClr>
+                  </a:outerShdw>
+                </a:effectLst>
+                <a:latin typeface="+mj-lt"/>
+                <a:ea typeface="+mj-ea"/>
+                <a:cs typeface="+mj-cs"/>
+              </a:rPr>
+              <a:t>hould be tested.</a:t>
+            </a:r>
+            <a:endParaRPr lang="ru-RU" sz="2000" dirty="0">
+              <a:solidFill>
+                <a:schemeClr val="tx2">
+                  <a:lumMod val="90000"/>
+                </a:schemeClr>
+              </a:solidFill>
+              <a:effectLst>
+                <a:outerShdw blurRad="38100" dist="38100" dir="2700000" algn="tl">
+                  <a:srgbClr val="000000">
+                    <a:alpha val="43137"/>
+                  </a:srgbClr>
+                </a:outerShdw>
+              </a:effectLst>
+              <a:latin typeface="+mj-lt"/>
+              <a:ea typeface="+mj-ea"/>
+              <a:cs typeface="+mj-cs"/>
+            </a:endParaRPr>
+          </a:p>
+        </p:txBody>
+      </p:sp>
+      <p:sp>
+        <p:nvSpPr>
+          <p:cNvPr id="21" name="TextBox 20"/>
+          <p:cNvSpPr txBox="1"/>
+          <p:nvPr/>
+        </p:nvSpPr>
+        <p:spPr>
+          <a:xfrm>
+            <a:off x="670858" y="3796526"/>
+            <a:ext cx="7406195" cy="1308050"/>
+          </a:xfrm>
+          <a:prstGeom prst="rect">
+            <a:avLst/>
+          </a:prstGeom>
+          <a:noFill/>
+        </p:spPr>
+        <p:txBody>
+          <a:bodyPr wrap="none" rtlCol="0">
+            <a:spAutoFit/>
+          </a:bodyPr>
+          <a:lstStyle/>
+          <a:p>
+            <a:pPr>
+              <a:spcBef>
+                <a:spcPct val="0"/>
+              </a:spcBef>
+              <a:spcAft>
+                <a:spcPts val="600"/>
+              </a:spcAft>
+            </a:pPr>
+            <a:r>
+              <a:rPr lang="en-US" sz="2000" dirty="0" smtClean="0">
+                <a:solidFill>
+                  <a:schemeClr val="tx2">
+                    <a:lumMod val="90000"/>
+                  </a:schemeClr>
+                </a:solidFill>
+                <a:effectLst>
+                  <a:outerShdw blurRad="38100" dist="38100" dir="2700000" algn="tl">
+                    <a:srgbClr val="000000">
+                      <a:alpha val="43137"/>
+                    </a:srgbClr>
+                  </a:outerShdw>
+                </a:effectLst>
+                <a:latin typeface="+mj-lt"/>
+                <a:ea typeface="+mj-ea"/>
+                <a:cs typeface="+mj-cs"/>
+              </a:rPr>
+              <a:t>Given-When-Then (GWT) pattern:</a:t>
+            </a:r>
+          </a:p>
+          <a:p>
+            <a:pPr lvl="1">
+              <a:spcBef>
+                <a:spcPct val="0"/>
+              </a:spcBef>
+            </a:pPr>
+            <a:r>
+              <a:rPr lang="en-US" dirty="0" smtClean="0">
+                <a:solidFill>
+                  <a:schemeClr val="accent2">
+                    <a:lumMod val="60000"/>
+                    <a:lumOff val="40000"/>
+                  </a:schemeClr>
+                </a:solidFill>
+                <a:effectLst>
+                  <a:outerShdw blurRad="38100" dist="38100" dir="2700000" algn="tl">
+                    <a:srgbClr val="000000">
+                      <a:alpha val="43137"/>
+                    </a:srgbClr>
+                  </a:outerShdw>
+                </a:effectLst>
+                <a:latin typeface="+mj-lt"/>
+                <a:ea typeface="+mj-ea"/>
+                <a:cs typeface="+mj-cs"/>
+              </a:rPr>
+              <a:t>Given</a:t>
+            </a:r>
+            <a:r>
+              <a:rPr lang="en-US" dirty="0" smtClean="0">
+                <a:solidFill>
+                  <a:schemeClr val="tx2">
+                    <a:lumMod val="90000"/>
+                  </a:schemeClr>
+                </a:solidFill>
+                <a:effectLst>
+                  <a:outerShdw blurRad="38100" dist="38100" dir="2700000" algn="tl">
+                    <a:srgbClr val="000000">
+                      <a:alpha val="43137"/>
+                    </a:srgbClr>
+                  </a:outerShdw>
+                </a:effectLst>
+                <a:latin typeface="+mj-lt"/>
+                <a:ea typeface="+mj-ea"/>
+                <a:cs typeface="+mj-cs"/>
+              </a:rPr>
+              <a:t> </a:t>
+            </a:r>
+            <a:r>
+              <a:rPr lang="en-US" dirty="0">
+                <a:solidFill>
+                  <a:schemeClr val="tx2">
+                    <a:lumMod val="90000"/>
+                  </a:schemeClr>
+                </a:solidFill>
+                <a:effectLst>
+                  <a:outerShdw blurRad="38100" dist="38100" dir="2700000" algn="tl">
+                    <a:srgbClr val="000000">
+                      <a:alpha val="43137"/>
+                    </a:srgbClr>
+                  </a:outerShdw>
+                </a:effectLst>
+                <a:latin typeface="+mj-lt"/>
+                <a:ea typeface="+mj-ea"/>
+                <a:cs typeface="+mj-cs"/>
+              </a:rPr>
+              <a:t>some </a:t>
+            </a:r>
+            <a:r>
+              <a:rPr lang="en-US" dirty="0" smtClean="0">
+                <a:solidFill>
+                  <a:schemeClr val="tx2">
+                    <a:lumMod val="90000"/>
+                  </a:schemeClr>
+                </a:solidFill>
+                <a:effectLst>
+                  <a:outerShdw blurRad="38100" dist="38100" dir="2700000" algn="tl">
+                    <a:srgbClr val="000000">
+                      <a:alpha val="43137"/>
+                    </a:srgbClr>
+                  </a:outerShdw>
+                </a:effectLst>
+                <a:latin typeface="+mj-lt"/>
+                <a:ea typeface="+mj-ea"/>
+                <a:cs typeface="+mj-cs"/>
+              </a:rPr>
+              <a:t>context</a:t>
+            </a:r>
+          </a:p>
+          <a:p>
+            <a:pPr lvl="1">
+              <a:spcBef>
+                <a:spcPct val="0"/>
+              </a:spcBef>
+            </a:pPr>
+            <a:r>
+              <a:rPr lang="en-US" dirty="0" smtClean="0">
+                <a:solidFill>
+                  <a:schemeClr val="accent2">
+                    <a:lumMod val="60000"/>
+                    <a:lumOff val="40000"/>
+                  </a:schemeClr>
+                </a:solidFill>
+                <a:effectLst>
+                  <a:outerShdw blurRad="38100" dist="38100" dir="2700000" algn="tl">
+                    <a:srgbClr val="000000">
+                      <a:alpha val="43137"/>
+                    </a:srgbClr>
+                  </a:outerShdw>
+                </a:effectLst>
+                <a:latin typeface="+mj-lt"/>
+                <a:ea typeface="+mj-ea"/>
+                <a:cs typeface="+mj-cs"/>
+              </a:rPr>
+              <a:t>When</a:t>
+            </a:r>
+            <a:r>
+              <a:rPr lang="en-US" dirty="0" smtClean="0">
+                <a:solidFill>
+                  <a:schemeClr val="tx2">
+                    <a:lumMod val="90000"/>
+                  </a:schemeClr>
+                </a:solidFill>
+                <a:effectLst>
+                  <a:outerShdw blurRad="38100" dist="38100" dir="2700000" algn="tl">
+                    <a:srgbClr val="000000">
+                      <a:alpha val="43137"/>
+                    </a:srgbClr>
+                  </a:outerShdw>
+                </a:effectLst>
+                <a:latin typeface="+mj-lt"/>
+                <a:ea typeface="+mj-ea"/>
+                <a:cs typeface="+mj-cs"/>
+              </a:rPr>
+              <a:t> </a:t>
+            </a:r>
+            <a:r>
+              <a:rPr lang="en-US" dirty="0">
+                <a:solidFill>
+                  <a:schemeClr val="tx2">
+                    <a:lumMod val="90000"/>
+                  </a:schemeClr>
+                </a:solidFill>
+                <a:effectLst>
+                  <a:outerShdw blurRad="38100" dist="38100" dir="2700000" algn="tl">
+                    <a:srgbClr val="000000">
+                      <a:alpha val="43137"/>
+                    </a:srgbClr>
+                  </a:outerShdw>
+                </a:effectLst>
+                <a:latin typeface="+mj-lt"/>
+                <a:ea typeface="+mj-ea"/>
+                <a:cs typeface="+mj-cs"/>
+              </a:rPr>
+              <a:t>some action is carried </a:t>
+            </a:r>
+            <a:r>
+              <a:rPr lang="en-US" dirty="0" smtClean="0">
+                <a:solidFill>
+                  <a:schemeClr val="tx2">
+                    <a:lumMod val="90000"/>
+                  </a:schemeClr>
+                </a:solidFill>
+                <a:effectLst>
+                  <a:outerShdw blurRad="38100" dist="38100" dir="2700000" algn="tl">
+                    <a:srgbClr val="000000">
+                      <a:alpha val="43137"/>
+                    </a:srgbClr>
+                  </a:outerShdw>
+                </a:effectLst>
+                <a:latin typeface="+mj-lt"/>
+                <a:ea typeface="+mj-ea"/>
+                <a:cs typeface="+mj-cs"/>
+              </a:rPr>
+              <a:t>out</a:t>
+            </a:r>
+          </a:p>
+          <a:p>
+            <a:pPr lvl="1">
+              <a:spcBef>
+                <a:spcPct val="0"/>
+              </a:spcBef>
+            </a:pPr>
+            <a:r>
+              <a:rPr lang="en-US" dirty="0" smtClean="0">
+                <a:solidFill>
+                  <a:schemeClr val="accent2">
+                    <a:lumMod val="60000"/>
+                    <a:lumOff val="40000"/>
+                  </a:schemeClr>
+                </a:solidFill>
+                <a:effectLst>
+                  <a:outerShdw blurRad="38100" dist="38100" dir="2700000" algn="tl">
+                    <a:srgbClr val="000000">
+                      <a:alpha val="43137"/>
+                    </a:srgbClr>
+                  </a:outerShdw>
+                </a:effectLst>
+                <a:latin typeface="+mj-lt"/>
+                <a:ea typeface="+mj-ea"/>
+                <a:cs typeface="+mj-cs"/>
+              </a:rPr>
+              <a:t>Then</a:t>
+            </a:r>
+            <a:r>
+              <a:rPr lang="en-US" dirty="0" smtClean="0">
+                <a:solidFill>
+                  <a:schemeClr val="tx2">
+                    <a:lumMod val="90000"/>
+                  </a:schemeClr>
+                </a:solidFill>
+                <a:effectLst>
+                  <a:outerShdw blurRad="38100" dist="38100" dir="2700000" algn="tl">
+                    <a:srgbClr val="000000">
+                      <a:alpha val="43137"/>
+                    </a:srgbClr>
+                  </a:outerShdw>
+                </a:effectLst>
+                <a:latin typeface="+mj-lt"/>
+                <a:ea typeface="+mj-ea"/>
+                <a:cs typeface="+mj-cs"/>
+              </a:rPr>
+              <a:t> </a:t>
+            </a:r>
+            <a:r>
+              <a:rPr lang="en-US" dirty="0">
+                <a:solidFill>
+                  <a:schemeClr val="tx2">
+                    <a:lumMod val="90000"/>
+                  </a:schemeClr>
+                </a:solidFill>
+                <a:effectLst>
+                  <a:outerShdw blurRad="38100" dist="38100" dir="2700000" algn="tl">
+                    <a:srgbClr val="000000">
+                      <a:alpha val="43137"/>
+                    </a:srgbClr>
+                  </a:outerShdw>
+                </a:effectLst>
+                <a:latin typeface="+mj-lt"/>
+                <a:ea typeface="+mj-ea"/>
+                <a:cs typeface="+mj-cs"/>
+              </a:rPr>
+              <a:t>a particular set of observable consequences should obtain</a:t>
+            </a:r>
+            <a:endParaRPr lang="ru-RU" dirty="0">
+              <a:solidFill>
+                <a:schemeClr val="tx2">
+                  <a:lumMod val="90000"/>
+                </a:schemeClr>
+              </a:solidFill>
+              <a:effectLst>
+                <a:outerShdw blurRad="38100" dist="38100" dir="2700000" algn="tl">
+                  <a:srgbClr val="000000">
+                    <a:alpha val="43137"/>
+                  </a:srgbClr>
+                </a:outerShdw>
+              </a:effectLst>
+              <a:latin typeface="+mj-lt"/>
+              <a:ea typeface="+mj-ea"/>
+              <a:cs typeface="+mj-cs"/>
+            </a:endParaRPr>
+          </a:p>
+        </p:txBody>
+      </p:sp>
+      <p:sp>
+        <p:nvSpPr>
+          <p:cNvPr id="26" name="TextBox 25"/>
+          <p:cNvSpPr txBox="1"/>
+          <p:nvPr/>
+        </p:nvSpPr>
+        <p:spPr>
+          <a:xfrm>
+            <a:off x="664907" y="5227026"/>
+            <a:ext cx="1772408" cy="400110"/>
+          </a:xfrm>
+          <a:prstGeom prst="rect">
+            <a:avLst/>
+          </a:prstGeom>
+          <a:noFill/>
+        </p:spPr>
+        <p:txBody>
+          <a:bodyPr wrap="none" rtlCol="0">
+            <a:spAutoFit/>
+          </a:bodyPr>
+          <a:lstStyle/>
+          <a:p>
+            <a:pPr>
+              <a:spcBef>
+                <a:spcPct val="0"/>
+              </a:spcBef>
+            </a:pPr>
+            <a:r>
+              <a:rPr lang="en-US" sz="2000" dirty="0" smtClean="0">
+                <a:solidFill>
+                  <a:schemeClr val="tx2">
+                    <a:lumMod val="90000"/>
+                  </a:schemeClr>
+                </a:solidFill>
+                <a:effectLst>
+                  <a:outerShdw blurRad="38100" dist="38100" dir="2700000" algn="tl">
+                    <a:srgbClr val="000000">
+                      <a:alpha val="43137"/>
+                    </a:srgbClr>
+                  </a:outerShdw>
+                </a:effectLst>
+                <a:latin typeface="+mj-lt"/>
+                <a:ea typeface="+mj-ea"/>
+                <a:cs typeface="+mj-cs"/>
+              </a:rPr>
+              <a:t>Popular tools:</a:t>
+            </a:r>
+            <a:endParaRPr lang="ru-RU" sz="2000" dirty="0">
+              <a:solidFill>
+                <a:schemeClr val="tx2">
+                  <a:lumMod val="90000"/>
+                </a:schemeClr>
+              </a:solidFill>
+              <a:effectLst>
+                <a:outerShdw blurRad="38100" dist="38100" dir="2700000" algn="tl">
+                  <a:srgbClr val="000000">
+                    <a:alpha val="43137"/>
+                  </a:srgbClr>
+                </a:outerShdw>
+              </a:effectLst>
+              <a:latin typeface="+mj-lt"/>
+              <a:ea typeface="+mj-ea"/>
+              <a:cs typeface="+mj-cs"/>
+            </a:endParaRPr>
+          </a:p>
+        </p:txBody>
+      </p:sp>
+      <p:sp>
+        <p:nvSpPr>
+          <p:cNvPr id="27" name="TextBox 26"/>
+          <p:cNvSpPr txBox="1"/>
+          <p:nvPr/>
+        </p:nvSpPr>
+        <p:spPr>
+          <a:xfrm>
+            <a:off x="677334" y="5579697"/>
+            <a:ext cx="1436612" cy="646331"/>
+          </a:xfrm>
+          <a:prstGeom prst="rect">
+            <a:avLst/>
+          </a:prstGeom>
+          <a:noFill/>
+        </p:spPr>
+        <p:txBody>
+          <a:bodyPr wrap="none" rtlCol="0">
+            <a:spAutoFit/>
+          </a:bodyPr>
+          <a:lstStyle/>
+          <a:p>
+            <a:pPr indent="-285750">
+              <a:spcBef>
+                <a:spcPct val="0"/>
+              </a:spcBef>
+              <a:buFont typeface="Arial" panose="020B0604020202020204" pitchFamily="34" charset="0"/>
+              <a:buChar char="•"/>
+            </a:pPr>
+            <a:r>
+              <a:rPr lang="en-US" dirty="0" err="1" smtClean="0">
+                <a:solidFill>
+                  <a:schemeClr val="tx2">
+                    <a:lumMod val="90000"/>
+                  </a:schemeClr>
+                </a:solidFill>
+                <a:effectLst>
+                  <a:outerShdw blurRad="38100" dist="38100" dir="2700000" algn="tl">
+                    <a:srgbClr val="000000">
+                      <a:alpha val="43137"/>
+                    </a:srgbClr>
+                  </a:outerShdw>
+                </a:effectLst>
+                <a:latin typeface="+mj-lt"/>
+                <a:ea typeface="+mj-ea"/>
+                <a:cs typeface="+mj-cs"/>
+              </a:rPr>
+              <a:t>SpecFlow</a:t>
+            </a:r>
+            <a:endParaRPr lang="en-US" dirty="0" smtClean="0">
+              <a:solidFill>
+                <a:schemeClr val="tx2">
+                  <a:lumMod val="90000"/>
+                </a:schemeClr>
+              </a:solidFill>
+              <a:effectLst>
+                <a:outerShdw blurRad="38100" dist="38100" dir="2700000" algn="tl">
+                  <a:srgbClr val="000000">
+                    <a:alpha val="43137"/>
+                  </a:srgbClr>
+                </a:outerShdw>
+              </a:effectLst>
+              <a:latin typeface="+mj-lt"/>
+              <a:ea typeface="+mj-ea"/>
+              <a:cs typeface="+mj-cs"/>
+            </a:endParaRPr>
+          </a:p>
+          <a:p>
+            <a:pPr indent="-285750">
+              <a:spcBef>
+                <a:spcPct val="0"/>
+              </a:spcBef>
+              <a:buFont typeface="Arial" panose="020B0604020202020204" pitchFamily="34" charset="0"/>
+              <a:buChar char="•"/>
+            </a:pPr>
+            <a:r>
+              <a:rPr lang="en-US" dirty="0" err="1" smtClean="0">
+                <a:solidFill>
+                  <a:schemeClr val="tx2">
+                    <a:lumMod val="90000"/>
+                  </a:schemeClr>
+                </a:solidFill>
+                <a:effectLst>
+                  <a:outerShdw blurRad="38100" dist="38100" dir="2700000" algn="tl">
+                    <a:srgbClr val="000000">
+                      <a:alpha val="43137"/>
+                    </a:srgbClr>
+                  </a:outerShdw>
+                </a:effectLst>
+                <a:latin typeface="+mj-lt"/>
+                <a:ea typeface="+mj-ea"/>
+                <a:cs typeface="+mj-cs"/>
+              </a:rPr>
+              <a:t>NSpec</a:t>
+            </a:r>
+            <a:endParaRPr lang="en-US" dirty="0" smtClean="0">
+              <a:solidFill>
+                <a:schemeClr val="tx2">
+                  <a:lumMod val="90000"/>
+                </a:schemeClr>
+              </a:solidFill>
+              <a:effectLst>
+                <a:outerShdw blurRad="38100" dist="38100" dir="2700000" algn="tl">
+                  <a:srgbClr val="000000">
+                    <a:alpha val="43137"/>
+                  </a:srgbClr>
+                </a:outerShdw>
+              </a:effectLst>
+              <a:latin typeface="+mj-lt"/>
+              <a:ea typeface="+mj-ea"/>
+              <a:cs typeface="+mj-cs"/>
+            </a:endParaRPr>
+          </a:p>
+        </p:txBody>
+      </p:sp>
+    </p:spTree>
+    <p:extLst>
+      <p:ext uri="{BB962C8B-B14F-4D97-AF65-F5344CB8AC3E}">
+        <p14:creationId xmlns:p14="http://schemas.microsoft.com/office/powerpoint/2010/main" val="1664345764"/>
+      </p:ext>
+    </p:extLst>
+  </p:cSld>
+  <p:clrMapOvr>
+    <a:masterClrMapping/>
+  </p:clrMapOvr>
+  <p:timing>
+    <p:tnLst>
+      <p:par>
+        <p:cTn id="1" dur="indefinite" restart="never" nodeType="tmRoot">
+          <p:childTnLst>
+            <p:seq concurrent="1" nextAc="seek">
+              <p:cTn id="2" dur="indefinite" nodeType="mainSeq">
+                <p:childTnLst>
+                  <p:par>
+                    <p:cTn id="3" fill="hold">
+                      <p:stCondLst>
+                        <p:cond delay="indefinite"/>
+                        <p:cond evt="onBegin" delay="0">
+                          <p:tn val="2"/>
+                        </p:cond>
+                      </p:stCondLst>
+                      <p:childTnLst>
+                        <p:par>
+                          <p:cTn id="4" fill="hold">
+                            <p:stCondLst>
+                              <p:cond delay="0"/>
+                            </p:stCondLst>
+                            <p:childTnLst>
+                              <p:par>
+                                <p:cTn id="5" presetID="1" presetClass="entr" presetSubtype="0" fill="hold" nodeType="withEffect">
+                                  <p:stCondLst>
+                                    <p:cond delay="0"/>
+                                  </p:stCondLst>
+                                  <p:childTnLst>
+                                    <p:set>
+                                      <p:cBhvr>
+                                        <p:cTn id="6" dur="1" fill="hold">
+                                          <p:stCondLst>
+                                            <p:cond delay="0"/>
+                                          </p:stCondLst>
+                                        </p:cTn>
+                                        <p:tgtEl>
+                                          <p:spTgt spid="7"/>
+                                        </p:tgtEl>
+                                        <p:attrNameLst>
+                                          <p:attrName>style.visibility</p:attrName>
+                                        </p:attrNameLst>
+                                      </p:cBhvr>
+                                      <p:to>
+                                        <p:strVal val="visible"/>
+                                      </p:to>
+                                    </p:set>
+                                  </p:childTnLst>
+                                </p:cTn>
+                              </p:par>
+                              <p:par>
+                                <p:cTn id="7" presetID="1" presetClass="entr" presetSubtype="0" fill="hold" nodeType="withEffect">
+                                  <p:stCondLst>
+                                    <p:cond delay="0"/>
+                                  </p:stCondLst>
+                                  <p:childTnLst>
+                                    <p:set>
+                                      <p:cBhvr>
+                                        <p:cTn id="8" dur="1" fill="hold">
+                                          <p:stCondLst>
+                                            <p:cond delay="0"/>
+                                          </p:stCondLst>
+                                        </p:cTn>
+                                        <p:tgtEl>
+                                          <p:spTgt spid="10"/>
+                                        </p:tgtEl>
+                                        <p:attrNameLst>
+                                          <p:attrName>style.visibility</p:attrName>
+                                        </p:attrNameLst>
+                                      </p:cBhvr>
+                                      <p:to>
+                                        <p:strVal val="visible"/>
+                                      </p:to>
+                                    </p:set>
+                                  </p:childTnLst>
+                                </p:cTn>
+                              </p:par>
+                            </p:childTnLst>
+                          </p:cTn>
+                        </p:par>
+                      </p:childTnLst>
+                    </p:cTn>
+                  </p:par>
+                </p:childTnLst>
+              </p:cTn>
+              <p:prevCondLst>
+                <p:cond evt="onPrev" delay="0">
+                  <p:tgtEl>
+                    <p:sldTgt/>
+                  </p:tgtEl>
+                </p:cond>
+              </p:prevCondLst>
+              <p:nextCondLst>
+                <p:cond evt="onNext" delay="0">
+                  <p:tgtEl>
+                    <p:sldTgt/>
+                  </p:tgtEl>
+                </p:cond>
+              </p:nextCondLst>
+            </p:seq>
+          </p:childTnLst>
+        </p:cTn>
       </p:par>
     </p:tnLst>
   </p:timing>
@@ -7948,8 +10606,8 @@
         </p:nvSpPr>
         <p:spPr>
           <a:xfrm>
-            <a:off x="5940646" y="4818791"/>
-            <a:ext cx="2278189" cy="830997"/>
+            <a:off x="6168055" y="4818791"/>
+            <a:ext cx="1847362" cy="830997"/>
           </a:xfrm>
           <a:prstGeom prst="rect">
             <a:avLst/>
@@ -8112,7 +10770,7 @@
         <p:spPr>
           <a:xfrm>
             <a:off x="1126160" y="2016857"/>
-            <a:ext cx="7640361" cy="461665"/>
+            <a:ext cx="7834324" cy="461665"/>
           </a:xfrm>
           <a:prstGeom prst="rect">
             <a:avLst/>
@@ -8148,7 +10806,27 @@
                 <a:ea typeface="+mj-ea"/>
                 <a:cs typeface="+mj-cs"/>
               </a:rPr>
-              <a:t>Test – specification that tells what should you expect.</a:t>
+              <a:t>Test – specification that tells what should </a:t>
+            </a:r>
+            <a:r>
+              <a:rPr lang="en-US" sz="2400" dirty="0" smtClean="0">
+                <a:solidFill>
+                  <a:schemeClr val="tx2">
+                    <a:lumMod val="90000"/>
+                  </a:schemeClr>
+                </a:solidFill>
+                <a:effectLst>
+                  <a:outerShdw blurRad="38100" dist="38100" dir="2700000" algn="tl">
+                    <a:srgbClr val="000000">
+                      <a:alpha val="43137"/>
+                    </a:srgbClr>
+                  </a:outerShdw>
+                </a:effectLst>
+                <a:latin typeface="+mj-lt"/>
+                <a:ea typeface="+mj-ea"/>
+                <a:cs typeface="+mj-cs"/>
+              </a:rPr>
+              <a:t>be expected.</a:t>
             </a:r>
             <a:endParaRPr lang="ru-RU" sz="2400" dirty="0">
               <a:solidFill>
@@ -8208,8 +10886,8 @@
         </p:nvSpPr>
         <p:spPr>
           <a:xfrm>
-            <a:off x="5940646" y="4818792"/>
-            <a:ext cx="2278189" cy="830997"/>
+            <a:off x="6351019" y="4818792"/>
+            <a:ext cx="1457450" cy="830997"/>
           </a:xfrm>
           <a:prstGeom prst="rect">
             <a:avLst/>
@@ -8245,7 +10923,7 @@
                 <a:ea typeface="+mj-ea"/>
                 <a:cs typeface="+mj-cs"/>
               </a:rPr>
-              <a:t>Result</a:t>
+              <a:t>Expected</a:t>
             </a:r>
           </a:p>
           <a:p>
@@ -8272,7 +10950,7 @@
                 <a:ea typeface="+mj-ea"/>
                 <a:cs typeface="+mj-cs"/>
               </a:rPr>
-              <a:t>that we expect</a:t>
+              <a:t>result</a:t>
             </a:r>
             <a:endParaRPr lang="ru-RU" sz="2400" dirty="0">
               <a:solidFill>
@@ -8936,6 +11614,30 @@
                 </a:outerShdw>
               </a:effectLst>
             </a:endParaRPr>
+          </a:p>
+        </p:txBody>
+      </p:sp>
+      <p:sp>
+        <p:nvSpPr>
+          <p:cNvPr id="3" name="Номер слайда 2"/>
+          <p:cNvSpPr>
+            <a:spLocks noGrp="1"/>
+          </p:cNvSpPr>
+          <p:nvPr>
+            <p:ph type="sldNum" sz="quarter" idx="12"/>
+          </p:nvPr>
+        </p:nvSpPr>
+        <p:spPr/>
+        <p:txBody>
+          <a:bodyPr/>
+          <a:lstStyle/>
+          <a:p>
+            <a:fld id="{D57F1E4F-1CFF-5643-939E-217C01CDF565}" type="slidenum">
+              <a:rPr lang="en-US" smtClean="0"/>
+              <a:pPr/>
+              <a:t>2</a:t>
+            </a:fld>
+            <a:endParaRPr lang="en-US" dirty="0"/>
           </a:p>
         </p:txBody>
       </p:sp>
@@ -9669,6 +12371,30 @@
           </a:p>
         </p:txBody>
       </p:sp>
+      <p:sp>
+        <p:nvSpPr>
+          <p:cNvPr id="3" name="Номер слайда 2"/>
+          <p:cNvSpPr>
+            <a:spLocks noGrp="1"/>
+          </p:cNvSpPr>
+          <p:nvPr>
+            <p:ph type="sldNum" sz="quarter" idx="12"/>
+          </p:nvPr>
+        </p:nvSpPr>
+        <p:spPr/>
+        <p:txBody>
+          <a:bodyPr/>
+          <a:lstStyle/>
+          <a:p>
+            <a:fld id="{D57F1E4F-1CFF-5643-939E-217C01CDF565}" type="slidenum">
+              <a:rPr lang="en-US" smtClean="0"/>
+              <a:pPr/>
+              <a:t>3</a:t>
+            </a:fld>
+            <a:endParaRPr lang="en-US" dirty="0"/>
+          </a:p>
+        </p:txBody>
+      </p:sp>
     </p:spTree>
     <p:extLst>
       <p:ext uri="{BB962C8B-B14F-4D97-AF65-F5344CB8AC3E}">
@@ -10013,6 +12739,30 @@
           </a:p>
         </p:txBody>
       </p:sp>
+      <p:sp>
+        <p:nvSpPr>
+          <p:cNvPr id="3" name="Номер слайда 2"/>
+          <p:cNvSpPr>
+            <a:spLocks noGrp="1"/>
+          </p:cNvSpPr>
+          <p:nvPr>
+            <p:ph type="sldNum" sz="quarter" idx="12"/>
+          </p:nvPr>
+        </p:nvSpPr>
+        <p:spPr/>
+        <p:txBody>
+          <a:bodyPr/>
+          <a:lstStyle/>
+          <a:p>
+            <a:fld id="{D57F1E4F-1CFF-5643-939E-217C01CDF565}" type="slidenum">
+              <a:rPr lang="en-US" smtClean="0"/>
+              <a:pPr/>
+              <a:t>4</a:t>
+            </a:fld>
+            <a:endParaRPr lang="en-US" dirty="0"/>
+          </a:p>
+        </p:txBody>
+      </p:sp>
     </p:spTree>
     <p:extLst>
       <p:ext uri="{BB962C8B-B14F-4D97-AF65-F5344CB8AC3E}">
@@ -10400,6 +13150,30 @@
           </a:p>
         </p:txBody>
       </p:sp>
+      <p:sp>
+        <p:nvSpPr>
+          <p:cNvPr id="3" name="Номер слайда 2"/>
+          <p:cNvSpPr>
+            <a:spLocks noGrp="1"/>
+          </p:cNvSpPr>
+          <p:nvPr>
+            <p:ph type="sldNum" sz="quarter" idx="12"/>
+          </p:nvPr>
+        </p:nvSpPr>
+        <p:spPr/>
+        <p:txBody>
+          <a:bodyPr/>
+          <a:lstStyle/>
+          <a:p>
+            <a:fld id="{D57F1E4F-1CFF-5643-939E-217C01CDF565}" type="slidenum">
+              <a:rPr lang="en-US" smtClean="0"/>
+              <a:pPr/>
+              <a:t>5</a:t>
+            </a:fld>
+            <a:endParaRPr lang="en-US" dirty="0"/>
+          </a:p>
+        </p:txBody>
+      </p:sp>
     </p:spTree>
     <p:extLst>
       <p:ext uri="{BB962C8B-B14F-4D97-AF65-F5344CB8AC3E}">
@@ -10421,6 +13195,523 @@
 </file>
 
 <file path=ppt/slides/slide6.xml><?xml version="1.0" encoding="utf-8"?>
+<p:sld xmlns:a="http://schemas.openxmlformats.org/drawingml/2006/main" xmlns:r="http://schemas.openxmlformats.org/officeDocument/2006/relationships" xmlns:p="http://schemas.openxmlformats.org/presentationml/2006/main">
+  <p:cSld>
+    <p:spTree>
+      <p:nvGrpSpPr>
+        <p:cNvPr id="1" name=""/>
+        <p:cNvGrpSpPr/>
+        <p:nvPr/>
+      </p:nvGrpSpPr>
+      <p:grpSpPr>
+        <a:xfrm>
+          <a:off x="0" y="0"/>
+          <a:ext cx="0" cy="0"/>
+          <a:chOff x="0" y="0"/>
+          <a:chExt cx="0" cy="0"/>
+        </a:xfrm>
+      </p:grpSpPr>
+      <p:sp>
+        <p:nvSpPr>
+          <p:cNvPr id="2" name="Заголовок 1"/>
+          <p:cNvSpPr>
+            <a:spLocks noGrp="1"/>
+          </p:cNvSpPr>
+          <p:nvPr>
+            <p:ph type="title"/>
+          </p:nvPr>
+        </p:nvSpPr>
+        <p:spPr/>
+        <p:txBody>
+          <a:bodyPr/>
+          <a:lstStyle/>
+          <a:p>
+            <a:r>
+              <a:rPr lang="en-US" dirty="0" smtClean="0">
+                <a:effectLst>
+                  <a:outerShdw blurRad="38100" dist="38100" dir="2700000" algn="tl">
+                    <a:srgbClr val="000000">
+                      <a:alpha val="43137"/>
+                    </a:srgbClr>
+                  </a:outerShdw>
+                </a:effectLst>
+              </a:rPr>
+              <a:t>Testable code</a:t>
+            </a:r>
+            <a:endParaRPr lang="ru-RU" dirty="0">
+              <a:effectLst>
+                <a:outerShdw blurRad="38100" dist="38100" dir="2700000" algn="tl">
+                  <a:srgbClr val="000000">
+                    <a:alpha val="43137"/>
+                  </a:srgbClr>
+                </a:outerShdw>
+              </a:effectLst>
+            </a:endParaRPr>
+          </a:p>
+        </p:txBody>
+      </p:sp>
+      <p:sp>
+        <p:nvSpPr>
+          <p:cNvPr id="4" name="Номер слайда 3"/>
+          <p:cNvSpPr>
+            <a:spLocks noGrp="1"/>
+          </p:cNvSpPr>
+          <p:nvPr>
+            <p:ph type="sldNum" sz="quarter" idx="12"/>
+          </p:nvPr>
+        </p:nvSpPr>
+        <p:spPr/>
+        <p:txBody>
+          <a:bodyPr/>
+          <a:lstStyle/>
+          <a:p>
+            <a:fld id="{D57F1E4F-1CFF-5643-939E-217C01CDF565}" type="slidenum">
+              <a:rPr lang="en-US" smtClean="0"/>
+              <a:pPr/>
+              <a:t>6</a:t>
+            </a:fld>
+            <a:endParaRPr lang="en-US" dirty="0"/>
+          </a:p>
+        </p:txBody>
+      </p:sp>
+      <p:sp>
+        <p:nvSpPr>
+          <p:cNvPr id="5" name="TextBox 4"/>
+          <p:cNvSpPr txBox="1"/>
+          <p:nvPr/>
+        </p:nvSpPr>
+        <p:spPr>
+          <a:xfrm>
+            <a:off x="2216110" y="1657090"/>
+            <a:ext cx="5375189" cy="3729162"/>
+          </a:xfrm>
+          <a:prstGeom prst="rect">
+            <a:avLst/>
+          </a:prstGeom>
+          <a:noFill/>
+        </p:spPr>
+        <p:txBody>
+          <a:bodyPr wrap="none" rtlCol="0">
+            <a:spAutoFit/>
+          </a:bodyPr>
+          <a:lstStyle/>
+          <a:p>
+            <a:pPr indent="-285750">
+              <a:lnSpc>
+                <a:spcPct val="150000"/>
+              </a:lnSpc>
+              <a:spcBef>
+                <a:spcPct val="0"/>
+              </a:spcBef>
+              <a:buFont typeface="Arial" panose="020B0604020202020204" pitchFamily="34" charset="0"/>
+              <a:buChar char="•"/>
+            </a:pPr>
+            <a:r>
+              <a:rPr lang="en-US" sz="2000" dirty="0" smtClean="0">
+                <a:solidFill>
+                  <a:schemeClr val="tx2">
+                    <a:lumMod val="90000"/>
+                  </a:schemeClr>
+                </a:solidFill>
+                <a:effectLst>
+                  <a:outerShdw blurRad="38100" dist="38100" dir="2700000" algn="tl">
+                    <a:srgbClr val="000000">
+                      <a:alpha val="43137"/>
+                    </a:srgbClr>
+                  </a:outerShdw>
+                </a:effectLst>
+                <a:latin typeface="+mj-lt"/>
+                <a:ea typeface="+mj-ea"/>
+                <a:cs typeface="+mj-cs"/>
+              </a:rPr>
+              <a:t>SOLID principle</a:t>
+            </a:r>
+            <a:endParaRPr lang="en-US" sz="2000" dirty="0">
+              <a:solidFill>
+                <a:schemeClr val="tx2">
+                  <a:lumMod val="90000"/>
+                </a:schemeClr>
+              </a:solidFill>
+              <a:effectLst>
+                <a:outerShdw blurRad="38100" dist="38100" dir="2700000" algn="tl">
+                  <a:srgbClr val="000000">
+                    <a:alpha val="43137"/>
+                  </a:srgbClr>
+                </a:outerShdw>
+              </a:effectLst>
+              <a:latin typeface="+mj-lt"/>
+              <a:ea typeface="+mj-ea"/>
+              <a:cs typeface="+mj-cs"/>
+            </a:endParaRPr>
+          </a:p>
+          <a:p>
+            <a:pPr lvl="2" indent="-285750">
+              <a:lnSpc>
+                <a:spcPct val="150000"/>
+              </a:lnSpc>
+              <a:spcBef>
+                <a:spcPct val="0"/>
+              </a:spcBef>
+              <a:buFont typeface="Arial" panose="020B0604020202020204" pitchFamily="34" charset="0"/>
+              <a:buChar char="•"/>
+            </a:pPr>
+            <a:r>
+              <a:rPr lang="en-US" sz="2000" dirty="0">
+                <a:solidFill>
+                  <a:schemeClr val="tx2">
+                    <a:lumMod val="90000"/>
+                  </a:schemeClr>
+                </a:solidFill>
+                <a:effectLst>
+                  <a:outerShdw blurRad="38100" dist="38100" dir="2700000" algn="tl">
+                    <a:srgbClr val="000000">
+                      <a:alpha val="43137"/>
+                    </a:srgbClr>
+                  </a:outerShdw>
+                </a:effectLst>
+                <a:latin typeface="+mj-lt"/>
+                <a:ea typeface="+mj-ea"/>
+                <a:cs typeface="+mj-cs"/>
+              </a:rPr>
+              <a:t>e</a:t>
+            </a:r>
+            <a:r>
+              <a:rPr lang="en-US" sz="2000" dirty="0" smtClean="0">
+                <a:solidFill>
+                  <a:schemeClr val="tx2">
+                    <a:lumMod val="90000"/>
+                  </a:schemeClr>
+                </a:solidFill>
+                <a:effectLst>
+                  <a:outerShdw blurRad="38100" dist="38100" dir="2700000" algn="tl">
+                    <a:srgbClr val="000000">
+                      <a:alpha val="43137"/>
+                    </a:srgbClr>
+                  </a:outerShdw>
+                </a:effectLst>
+                <a:latin typeface="+mj-lt"/>
+                <a:ea typeface="+mj-ea"/>
+                <a:cs typeface="+mj-cs"/>
+              </a:rPr>
+              <a:t>ach unit does one concrete task</a:t>
+            </a:r>
+          </a:p>
+          <a:p>
+            <a:pPr lvl="2" indent="-285750">
+              <a:lnSpc>
+                <a:spcPct val="150000"/>
+              </a:lnSpc>
+              <a:spcBef>
+                <a:spcPct val="0"/>
+              </a:spcBef>
+              <a:buFont typeface="Arial" panose="020B0604020202020204" pitchFamily="34" charset="0"/>
+              <a:buChar char="•"/>
+            </a:pPr>
+            <a:r>
+              <a:rPr lang="en-US" sz="2000" dirty="0">
+                <a:solidFill>
+                  <a:schemeClr val="tx2">
+                    <a:lumMod val="90000"/>
+                  </a:schemeClr>
+                </a:solidFill>
+                <a:effectLst>
+                  <a:outerShdw blurRad="38100" dist="38100" dir="2700000" algn="tl">
+                    <a:srgbClr val="000000">
+                      <a:alpha val="43137"/>
+                    </a:srgbClr>
+                  </a:outerShdw>
+                </a:effectLst>
+                <a:latin typeface="+mj-lt"/>
+                <a:ea typeface="+mj-ea"/>
+                <a:cs typeface="+mj-cs"/>
+              </a:rPr>
+              <a:t>l</a:t>
+            </a:r>
+            <a:r>
+              <a:rPr lang="en-US" sz="2000" dirty="0" smtClean="0">
+                <a:solidFill>
+                  <a:schemeClr val="tx2">
+                    <a:lumMod val="90000"/>
+                  </a:schemeClr>
+                </a:solidFill>
+                <a:effectLst>
+                  <a:outerShdw blurRad="38100" dist="38100" dir="2700000" algn="tl">
+                    <a:srgbClr val="000000">
+                      <a:alpha val="43137"/>
+                    </a:srgbClr>
+                  </a:outerShdw>
+                </a:effectLst>
+                <a:latin typeface="+mj-lt"/>
+                <a:ea typeface="+mj-ea"/>
+                <a:cs typeface="+mj-cs"/>
+              </a:rPr>
+              <a:t>oosely </a:t>
+            </a:r>
+            <a:r>
+              <a:rPr lang="en-US" sz="2000" dirty="0">
+                <a:solidFill>
+                  <a:schemeClr val="tx2">
+                    <a:lumMod val="90000"/>
+                  </a:schemeClr>
+                </a:solidFill>
+                <a:effectLst>
+                  <a:outerShdw blurRad="38100" dist="38100" dir="2700000" algn="tl">
+                    <a:srgbClr val="000000">
+                      <a:alpha val="43137"/>
+                    </a:srgbClr>
+                  </a:outerShdw>
+                </a:effectLst>
+                <a:latin typeface="+mj-lt"/>
+                <a:ea typeface="+mj-ea"/>
+                <a:cs typeface="+mj-cs"/>
+              </a:rPr>
+              <a:t>coupled </a:t>
+            </a:r>
+            <a:r>
+              <a:rPr lang="en-US" sz="2000" dirty="0" smtClean="0">
+                <a:solidFill>
+                  <a:schemeClr val="tx2">
+                    <a:lumMod val="90000"/>
+                  </a:schemeClr>
+                </a:solidFill>
+                <a:effectLst>
+                  <a:outerShdw blurRad="38100" dist="38100" dir="2700000" algn="tl">
+                    <a:srgbClr val="000000">
+                      <a:alpha val="43137"/>
+                    </a:srgbClr>
+                  </a:outerShdw>
+                </a:effectLst>
+                <a:latin typeface="+mj-lt"/>
+                <a:ea typeface="+mj-ea"/>
+                <a:cs typeface="+mj-cs"/>
+              </a:rPr>
+              <a:t>units</a:t>
+            </a:r>
+            <a:endParaRPr lang="en-US" sz="2000" dirty="0">
+              <a:solidFill>
+                <a:schemeClr val="tx2">
+                  <a:lumMod val="90000"/>
+                </a:schemeClr>
+              </a:solidFill>
+              <a:effectLst>
+                <a:outerShdw blurRad="38100" dist="38100" dir="2700000" algn="tl">
+                  <a:srgbClr val="000000">
+                    <a:alpha val="43137"/>
+                  </a:srgbClr>
+                </a:outerShdw>
+              </a:effectLst>
+              <a:latin typeface="+mj-lt"/>
+              <a:ea typeface="+mj-ea"/>
+              <a:cs typeface="+mj-cs"/>
+            </a:endParaRPr>
+          </a:p>
+          <a:p>
+            <a:pPr indent="-285750">
+              <a:lnSpc>
+                <a:spcPct val="150000"/>
+              </a:lnSpc>
+              <a:spcBef>
+                <a:spcPct val="0"/>
+              </a:spcBef>
+              <a:buFont typeface="Arial" panose="020B0604020202020204" pitchFamily="34" charset="0"/>
+              <a:buChar char="•"/>
+            </a:pPr>
+            <a:r>
+              <a:rPr lang="en-US" sz="2000" dirty="0">
+                <a:solidFill>
+                  <a:schemeClr val="tx2">
+                    <a:lumMod val="90000"/>
+                  </a:schemeClr>
+                </a:solidFill>
+                <a:effectLst>
+                  <a:outerShdw blurRad="38100" dist="38100" dir="2700000" algn="tl">
+                    <a:srgbClr val="000000">
+                      <a:alpha val="43137"/>
+                    </a:srgbClr>
+                  </a:outerShdw>
+                </a:effectLst>
+              </a:rPr>
+              <a:t>Small understandable </a:t>
+            </a:r>
+            <a:r>
+              <a:rPr lang="en-US" sz="2000" dirty="0" smtClean="0">
+                <a:solidFill>
+                  <a:schemeClr val="tx2">
+                    <a:lumMod val="90000"/>
+                  </a:schemeClr>
+                </a:solidFill>
+                <a:effectLst>
+                  <a:outerShdw blurRad="38100" dist="38100" dir="2700000" algn="tl">
+                    <a:srgbClr val="000000">
+                      <a:alpha val="43137"/>
+                    </a:srgbClr>
+                  </a:outerShdw>
+                </a:effectLst>
+              </a:rPr>
+              <a:t>units</a:t>
+            </a:r>
+            <a:endParaRPr lang="en-US" sz="2000" dirty="0" smtClean="0">
+              <a:solidFill>
+                <a:schemeClr val="tx2">
+                  <a:lumMod val="90000"/>
+                </a:schemeClr>
+              </a:solidFill>
+              <a:effectLst>
+                <a:outerShdw blurRad="38100" dist="38100" dir="2700000" algn="tl">
+                  <a:srgbClr val="000000">
+                    <a:alpha val="43137"/>
+                  </a:srgbClr>
+                </a:outerShdw>
+              </a:effectLst>
+              <a:latin typeface="+mj-lt"/>
+              <a:ea typeface="+mj-ea"/>
+              <a:cs typeface="+mj-cs"/>
+            </a:endParaRPr>
+          </a:p>
+          <a:p>
+            <a:pPr indent="-285750">
+              <a:lnSpc>
+                <a:spcPct val="150000"/>
+              </a:lnSpc>
+              <a:spcBef>
+                <a:spcPct val="0"/>
+              </a:spcBef>
+              <a:buFont typeface="Arial" panose="020B0604020202020204" pitchFamily="34" charset="0"/>
+              <a:buChar char="•"/>
+            </a:pPr>
+            <a:r>
+              <a:rPr lang="en-US" sz="2000" dirty="0" smtClean="0">
+                <a:solidFill>
+                  <a:schemeClr val="tx2">
+                    <a:lumMod val="90000"/>
+                  </a:schemeClr>
+                </a:solidFill>
+                <a:effectLst>
+                  <a:outerShdw blurRad="38100" dist="38100" dir="2700000" algn="tl">
+                    <a:srgbClr val="000000">
+                      <a:alpha val="43137"/>
+                    </a:srgbClr>
+                  </a:outerShdw>
+                </a:effectLst>
+                <a:latin typeface="+mj-lt"/>
+                <a:ea typeface="+mj-ea"/>
+                <a:cs typeface="+mj-cs"/>
+              </a:rPr>
+              <a:t>Dependency Injection (DI) pattern</a:t>
+            </a:r>
+          </a:p>
+          <a:p>
+            <a:pPr indent="-285750">
+              <a:lnSpc>
+                <a:spcPct val="150000"/>
+              </a:lnSpc>
+              <a:spcBef>
+                <a:spcPct val="0"/>
+              </a:spcBef>
+              <a:buFont typeface="Arial" panose="020B0604020202020204" pitchFamily="34" charset="0"/>
+              <a:buChar char="•"/>
+            </a:pPr>
+            <a:r>
+              <a:rPr lang="en-US" sz="2000" dirty="0" smtClean="0">
+                <a:solidFill>
+                  <a:schemeClr val="tx2">
+                    <a:lumMod val="90000"/>
+                  </a:schemeClr>
+                </a:solidFill>
+                <a:effectLst>
+                  <a:outerShdw blurRad="38100" dist="38100" dir="2700000" algn="tl">
+                    <a:srgbClr val="000000">
+                      <a:alpha val="43137"/>
+                    </a:srgbClr>
+                  </a:outerShdw>
+                </a:effectLst>
+                <a:latin typeface="+mj-lt"/>
+                <a:ea typeface="+mj-ea"/>
+                <a:cs typeface="+mj-cs"/>
+              </a:rPr>
+              <a:t>Only few dependencies</a:t>
+            </a:r>
+          </a:p>
+          <a:p>
+            <a:pPr indent="-285750">
+              <a:lnSpc>
+                <a:spcPct val="150000"/>
+              </a:lnSpc>
+              <a:spcBef>
+                <a:spcPct val="0"/>
+              </a:spcBef>
+              <a:buFont typeface="Arial" panose="020B0604020202020204" pitchFamily="34" charset="0"/>
+              <a:buChar char="•"/>
+            </a:pPr>
+            <a:r>
+              <a:rPr lang="en-US" sz="2000" dirty="0" smtClean="0">
+                <a:solidFill>
+                  <a:schemeClr val="tx2">
+                    <a:lumMod val="90000"/>
+                  </a:schemeClr>
+                </a:solidFill>
+                <a:effectLst>
+                  <a:outerShdw blurRad="38100" dist="38100" dir="2700000" algn="tl">
+                    <a:srgbClr val="000000">
+                      <a:alpha val="43137"/>
+                    </a:srgbClr>
+                  </a:outerShdw>
+                </a:effectLst>
+                <a:latin typeface="+mj-lt"/>
+                <a:ea typeface="+mj-ea"/>
+                <a:cs typeface="+mj-cs"/>
+              </a:rPr>
+              <a:t>Logic is separated from the data resources</a:t>
+            </a:r>
+          </a:p>
+          <a:p>
+            <a:pPr indent="-285750">
+              <a:lnSpc>
+                <a:spcPct val="150000"/>
+              </a:lnSpc>
+              <a:spcBef>
+                <a:spcPct val="0"/>
+              </a:spcBef>
+              <a:buFont typeface="Arial" panose="020B0604020202020204" pitchFamily="34" charset="0"/>
+              <a:buChar char="•"/>
+            </a:pPr>
+            <a:r>
+              <a:rPr lang="en-US" sz="2000" dirty="0" smtClean="0">
+                <a:solidFill>
+                  <a:schemeClr val="tx2">
+                    <a:lumMod val="90000"/>
+                  </a:schemeClr>
+                </a:solidFill>
+                <a:effectLst>
+                  <a:outerShdw blurRad="38100" dist="38100" dir="2700000" algn="tl">
+                    <a:srgbClr val="000000">
+                      <a:alpha val="43137"/>
+                    </a:srgbClr>
+                  </a:outerShdw>
+                </a:effectLst>
+                <a:latin typeface="+mj-lt"/>
+                <a:ea typeface="+mj-ea"/>
+                <a:cs typeface="+mj-cs"/>
+              </a:rPr>
+              <a:t>Interfaces</a:t>
+            </a:r>
+          </a:p>
+        </p:txBody>
+      </p:sp>
+    </p:spTree>
+    <p:extLst>
+      <p:ext uri="{BB962C8B-B14F-4D97-AF65-F5344CB8AC3E}">
+        <p14:creationId xmlns:p14="http://schemas.microsoft.com/office/powerpoint/2010/main" val="150197300"/>
+      </p:ext>
+    </p:extLst>
+  </p:cSld>
+  <p:clrMapOvr>
+    <a:masterClrMapping/>
+  </p:clrMapOvr>
+</p:sld>
+</file>
+
+<file path=ppt/slides/slide7.xml><?xml version="1.0" encoding="utf-8"?>
 <p:sld xmlns:a="http://schemas.openxmlformats.org/drawingml/2006/main" xmlns:r="http://schemas.openxmlformats.org/officeDocument/2006/relationships" xmlns:p="http://schemas.openxmlformats.org/presentationml/2006/main">
   <p:cSld>
     <p:spTree>
@@ -11677,6 +14968,30 @@
           </a:fontRef>
         </p:style>
       </p:cxnSp>
+      <p:sp>
+        <p:nvSpPr>
+          <p:cNvPr id="3" name="Номер слайда 2"/>
+          <p:cNvSpPr>
+            <a:spLocks noGrp="1"/>
+          </p:cNvSpPr>
+          <p:nvPr>
+            <p:ph type="sldNum" sz="quarter" idx="12"/>
+          </p:nvPr>
+        </p:nvSpPr>
+        <p:spPr/>
+        <p:txBody>
+          <a:bodyPr/>
+          <a:lstStyle/>
+          <a:p>
+            <a:fld id="{D57F1E4F-1CFF-5643-939E-217C01CDF565}" type="slidenum">
+              <a:rPr lang="en-US" smtClean="0"/>
+              <a:pPr/>
+              <a:t>7</a:t>
+            </a:fld>
+            <a:endParaRPr lang="en-US" dirty="0"/>
+          </a:p>
+        </p:txBody>
+      </p:sp>
     </p:spTree>
     <p:extLst>
       <p:ext uri="{BB962C8B-B14F-4D97-AF65-F5344CB8AC3E}">
@@ -12248,7 +15563,7 @@
 </p:sld>
 </file>
 
-<file path=ppt/slides/slide7.xml><?xml version="1.0" encoding="utf-8"?>
+<file path=ppt/slides/slide8.xml><?xml version="1.0" encoding="utf-8"?>
 <p:sld xmlns:a="http://schemas.openxmlformats.org/drawingml/2006/main" xmlns:r="http://schemas.openxmlformats.org/officeDocument/2006/relationships" xmlns:p="http://schemas.openxmlformats.org/presentationml/2006/main">
   <p:cSld>
     <p:spTree>
@@ -12273,8 +15588,8 @@
         </p:nvSpPr>
         <p:spPr>
           <a:xfrm>
-            <a:off x="917089" y="2969475"/>
-            <a:ext cx="8227144" cy="2651680"/>
+            <a:off x="917088" y="2969475"/>
+            <a:ext cx="8356913" cy="1833184"/>
           </a:xfrm>
           <a:prstGeom prst="rect">
             <a:avLst/>
@@ -12330,7 +15645,7 @@
         <p:spPr>
           <a:xfrm>
             <a:off x="955589" y="1472665"/>
-            <a:ext cx="8227144" cy="565929"/>
+            <a:ext cx="8318412" cy="565929"/>
           </a:xfrm>
           <a:prstGeom prst="rect">
             <a:avLst/>
@@ -13256,160 +16571,6 @@
                   </a:srgbClr>
                 </a:outerShdw>
               </a:effectLst>
-            </a:endParaRPr>
-          </a:p>
-        </p:txBody>
-      </p:sp>
-      <p:sp>
-        <p:nvSpPr>
-          <p:cNvPr id="12" name="TextBox 11"/>
-          <p:cNvSpPr txBox="1"/>
-          <p:nvPr/>
-        </p:nvSpPr>
-        <p:spPr>
-          <a:xfrm>
-            <a:off x="1735163" y="4943281"/>
-            <a:ext cx="1266693" cy="369332"/>
-          </a:xfrm>
-          <a:prstGeom prst="rect">
-            <a:avLst/>
-          </a:prstGeom>
-          <a:noFill/>
-        </p:spPr>
-        <p:txBody>
-          <a:bodyPr wrap="none" rtlCol="0">
-            <a:spAutoFit/>
-          </a:bodyPr>
-          <a:lstStyle/>
-          <a:p>
-            <a:pPr>
-              <a:spcBef>
-                <a:spcPct val="0"/>
-              </a:spcBef>
-            </a:pPr>
-            <a:r>
-              <a:rPr lang="en-US" dirty="0">
-                <a:solidFill>
-                  <a:schemeClr val="tx2">
-                    <a:lumMod val="90000"/>
-                  </a:schemeClr>
-                </a:solidFill>
-                <a:effectLst>
-                  <a:outerShdw blurRad="38100" dist="38100" dir="2700000" algn="tl">
-                    <a:srgbClr val="000000">
-                      <a:alpha val="43137"/>
-                    </a:srgbClr>
-                  </a:outerShdw>
-                </a:effectLst>
-                <a:latin typeface="+mj-lt"/>
-                <a:ea typeface="+mj-ea"/>
-                <a:cs typeface="+mj-cs"/>
-              </a:rPr>
-              <a:t>C</a:t>
-            </a:r>
-            <a:r>
-              <a:rPr lang="en-US" dirty="0" smtClean="0">
-                <a:solidFill>
-                  <a:schemeClr val="tx2">
-                    <a:lumMod val="90000"/>
-                  </a:schemeClr>
-                </a:solidFill>
-                <a:effectLst>
-                  <a:outerShdw blurRad="38100" dist="38100" dir="2700000" algn="tl">
-                    <a:srgbClr val="000000">
-                      <a:alpha val="43137"/>
-                    </a:srgbClr>
-                  </a:outerShdw>
-                </a:effectLst>
-                <a:latin typeface="+mj-lt"/>
-                <a:ea typeface="+mj-ea"/>
-                <a:cs typeface="+mj-cs"/>
-              </a:rPr>
-              <a:t>onditions</a:t>
-            </a:r>
-            <a:endParaRPr lang="ru-RU" dirty="0">
-              <a:solidFill>
-                <a:schemeClr val="tx2">
-                  <a:lumMod val="90000"/>
-                </a:schemeClr>
-              </a:solidFill>
-              <a:effectLst>
-                <a:outerShdw blurRad="38100" dist="38100" dir="2700000" algn="tl">
-                  <a:srgbClr val="000000">
-                    <a:alpha val="43137"/>
-                  </a:srgbClr>
-                </a:outerShdw>
-              </a:effectLst>
-              <a:latin typeface="+mj-lt"/>
-              <a:ea typeface="+mj-ea"/>
-              <a:cs typeface="+mj-cs"/>
-            </a:endParaRPr>
-          </a:p>
-        </p:txBody>
-      </p:sp>
-      <p:sp>
-        <p:nvSpPr>
-          <p:cNvPr id="13" name="TextBox 12"/>
-          <p:cNvSpPr txBox="1"/>
-          <p:nvPr/>
-        </p:nvSpPr>
-        <p:spPr>
-          <a:xfrm>
-            <a:off x="3748329" y="4937158"/>
-            <a:ext cx="1802096" cy="369332"/>
-          </a:xfrm>
-          <a:prstGeom prst="rect">
-            <a:avLst/>
-          </a:prstGeom>
-          <a:noFill/>
-        </p:spPr>
-        <p:txBody>
-          <a:bodyPr wrap="none" rtlCol="0">
-            <a:spAutoFit/>
-          </a:bodyPr>
-          <a:lstStyle/>
-          <a:p>
-            <a:pPr>
-              <a:spcBef>
-                <a:spcPct val="0"/>
-              </a:spcBef>
-            </a:pPr>
-            <a:r>
-              <a:rPr lang="en-US" dirty="0" smtClean="0">
-                <a:solidFill>
-                  <a:schemeClr val="tx2">
-                    <a:lumMod val="90000"/>
-                  </a:schemeClr>
-                </a:solidFill>
-                <a:effectLst>
-                  <a:outerShdw blurRad="38100" dist="38100" dir="2700000" algn="tl">
-                    <a:srgbClr val="000000">
-                      <a:alpha val="43137"/>
-                    </a:srgbClr>
-                  </a:outerShdw>
-                </a:effectLst>
-                <a:latin typeface="+mj-lt"/>
-                <a:ea typeface="+mj-ea"/>
-                <a:cs typeface="+mj-cs"/>
-              </a:rPr>
-              <a:t>Expected result</a:t>
-            </a:r>
-            <a:endParaRPr lang="ru-RU" dirty="0">
-              <a:solidFill>
-                <a:schemeClr val="tx2">
-                  <a:lumMod val="90000"/>
-                </a:schemeClr>
-              </a:solidFill>
-              <a:effectLst>
-                <a:outerShdw blurRad="38100" dist="38100" dir="2700000" algn="tl">
-                  <a:srgbClr val="000000">
-                    <a:alpha val="43137"/>
-                  </a:srgbClr>
-                </a:outerShdw>
-              </a:effectLst>
-              <a:latin typeface="+mj-lt"/>
-              <a:ea typeface="+mj-ea"/>
-              <a:cs typeface="+mj-cs"/>
             </a:endParaRPr>
           </a:p>
         </p:txBody>
@@ -13606,99 +16767,374 @@
           </a:p>
         </p:txBody>
       </p:sp>
-      <p:sp>
-        <p:nvSpPr>
-          <p:cNvPr id="53" name="Овал 52"/>
-          <p:cNvSpPr/>
+      <p:grpSp>
+        <p:nvGrpSpPr>
+          <p:cNvPr id="3" name="Группа 2"/>
+          <p:cNvGrpSpPr/>
+          <p:nvPr/>
+        </p:nvGrpSpPr>
+        <p:grpSpPr>
+          <a:xfrm>
+            <a:off x="7282633" y="3498552"/>
+            <a:ext cx="1366357" cy="519764"/>
+            <a:chOff x="1635499" y="4861942"/>
+            <a:chExt cx="1366357" cy="519764"/>
+          </a:xfrm>
+        </p:grpSpPr>
+        <p:sp>
+          <p:nvSpPr>
+            <p:cNvPr id="12" name="TextBox 11"/>
+            <p:cNvSpPr txBox="1"/>
+            <p:nvPr/>
+          </p:nvSpPr>
+          <p:spPr>
+            <a:xfrm>
+              <a:off x="1735163" y="4943281"/>
+              <a:ext cx="1266693" cy="369332"/>
+            </a:xfrm>
+            <a:prstGeom prst="rect">
+              <a:avLst/>
+            </a:prstGeom>
+            <a:noFill/>
+          </p:spPr>
+          <p:txBody>
+            <a:bodyPr wrap="none" rtlCol="0">
+              <a:spAutoFit/>
+            </a:bodyPr>
+            <a:lstStyle/>
+            <a:p>
+              <a:pPr>
+                <a:spcBef>
+                  <a:spcPct val="0"/>
+                </a:spcBef>
+              </a:pPr>
+              <a:r>
+                <a:rPr lang="en-US" dirty="0">
+                  <a:solidFill>
+                    <a:schemeClr val="tx2">
+                      <a:lumMod val="90000"/>
+                    </a:schemeClr>
+                  </a:solidFill>
+                  <a:effectLst>
+                    <a:outerShdw blurRad="38100" dist="38100" dir="2700000" algn="tl">
+                      <a:srgbClr val="000000">
+                        <a:alpha val="43137"/>
+                      </a:srgbClr>
+                    </a:outerShdw>
+                  </a:effectLst>
+                  <a:latin typeface="+mj-lt"/>
+                  <a:ea typeface="+mj-ea"/>
+                  <a:cs typeface="+mj-cs"/>
+                </a:rPr>
+                <a:t>C</a:t>
+              </a:r>
+              <a:r>
+                <a:rPr lang="en-US" dirty="0" smtClean="0">
+                  <a:solidFill>
+                    <a:schemeClr val="tx2">
+                      <a:lumMod val="90000"/>
+                    </a:schemeClr>
+                  </a:solidFill>
+                  <a:effectLst>
+                    <a:outerShdw blurRad="38100" dist="38100" dir="2700000" algn="tl">
+                      <a:srgbClr val="000000">
+                        <a:alpha val="43137"/>
+                      </a:srgbClr>
+                    </a:outerShdw>
+                  </a:effectLst>
+                  <a:latin typeface="+mj-lt"/>
+                  <a:ea typeface="+mj-ea"/>
+                  <a:cs typeface="+mj-cs"/>
+                </a:rPr>
+                <a:t>onditions</a:t>
+              </a:r>
+              <a:endParaRPr lang="ru-RU" dirty="0">
+                <a:solidFill>
+                  <a:schemeClr val="tx2">
+                    <a:lumMod val="90000"/>
+                  </a:schemeClr>
+                </a:solidFill>
+                <a:effectLst>
+                  <a:outerShdw blurRad="38100" dist="38100" dir="2700000" algn="tl">
+                    <a:srgbClr val="000000">
+                      <a:alpha val="43137"/>
+                    </a:srgbClr>
+                  </a:outerShdw>
+                </a:effectLst>
+                <a:latin typeface="+mj-lt"/>
+                <a:ea typeface="+mj-ea"/>
+                <a:cs typeface="+mj-cs"/>
+              </a:endParaRPr>
+            </a:p>
+          </p:txBody>
+        </p:sp>
+        <p:sp>
+          <p:nvSpPr>
+            <p:cNvPr id="53" name="Овал 52"/>
+            <p:cNvSpPr/>
+            <p:nvPr/>
+          </p:nvSpPr>
+          <p:spPr>
+            <a:xfrm>
+              <a:off x="1635499" y="4861942"/>
+              <a:ext cx="519764" cy="519764"/>
+            </a:xfrm>
+            <a:prstGeom prst="ellipse">
+              <a:avLst/>
+            </a:prstGeom>
+            <a:solidFill>
+              <a:srgbClr val="FF0000">
+                <a:alpha val="30196"/>
+              </a:srgbClr>
+            </a:solidFill>
+            <a:ln>
+              <a:noFill/>
+            </a:ln>
+          </p:spPr>
+          <p:style>
+            <a:lnRef idx="2">
+              <a:schemeClr val="accent1">
+                <a:shade val="50000"/>
+              </a:schemeClr>
+            </a:lnRef>
+            <a:fillRef idx="1">
+              <a:schemeClr val="accent1"/>
+            </a:fillRef>
+            <a:effectRef idx="0">
+              <a:schemeClr val="accent1"/>
+            </a:effectRef>
+            <a:fontRef idx="minor">
+              <a:schemeClr val="lt1"/>
+            </a:fontRef>
+          </p:style>
+          <p:txBody>
+            <a:bodyPr rtlCol="0" anchor="ctr"/>
+            <a:lstStyle/>
+            <a:p>
+              <a:pPr algn="ctr"/>
+              <a:endParaRPr lang="ru-RU"/>
+            </a:p>
+          </p:txBody>
+        </p:sp>
+      </p:grpSp>
+      <p:grpSp>
+        <p:nvGrpSpPr>
+          <p:cNvPr id="4" name="Группа 3"/>
+          <p:cNvGrpSpPr/>
+          <p:nvPr/>
+        </p:nvGrpSpPr>
+        <p:grpSpPr>
+          <a:xfrm>
+            <a:off x="7282633" y="4049129"/>
+            <a:ext cx="1909300" cy="519764"/>
+            <a:chOff x="3641125" y="4861942"/>
+            <a:chExt cx="1909300" cy="519764"/>
+          </a:xfrm>
+        </p:grpSpPr>
+        <p:sp>
+          <p:nvSpPr>
+            <p:cNvPr id="13" name="TextBox 12"/>
+            <p:cNvSpPr txBox="1"/>
+            <p:nvPr/>
+          </p:nvSpPr>
+          <p:spPr>
+            <a:xfrm>
+              <a:off x="3748329" y="4937158"/>
+              <a:ext cx="1802096" cy="369332"/>
+            </a:xfrm>
+            <a:prstGeom prst="rect">
+              <a:avLst/>
+            </a:prstGeom>
+            <a:noFill/>
+          </p:spPr>
+          <p:txBody>
+            <a:bodyPr wrap="none" rtlCol="0">
+              <a:spAutoFit/>
+            </a:bodyPr>
+            <a:lstStyle/>
+            <a:p>
+              <a:pPr>
+                <a:spcBef>
+                  <a:spcPct val="0"/>
+                </a:spcBef>
+              </a:pPr>
+              <a:r>
+                <a:rPr lang="en-US" dirty="0" smtClean="0">
+                  <a:solidFill>
+                    <a:schemeClr val="tx2">
+                      <a:lumMod val="90000"/>
+                    </a:schemeClr>
+                  </a:solidFill>
+                  <a:effectLst>
+                    <a:outerShdw blurRad="38100" dist="38100" dir="2700000" algn="tl">
+                      <a:srgbClr val="000000">
+                        <a:alpha val="43137"/>
+                      </a:srgbClr>
+                    </a:outerShdw>
+                  </a:effectLst>
+                  <a:latin typeface="+mj-lt"/>
+                  <a:ea typeface="+mj-ea"/>
+                  <a:cs typeface="+mj-cs"/>
+                </a:rPr>
+                <a:t>Expected result</a:t>
+              </a:r>
+              <a:endParaRPr lang="ru-RU" dirty="0">
+                <a:solidFill>
+                  <a:schemeClr val="tx2">
+                    <a:lumMod val="90000"/>
+                  </a:schemeClr>
+                </a:solidFill>
+                <a:effectLst>
+                  <a:outerShdw blurRad="38100" dist="38100" dir="2700000" algn="tl">
+                    <a:srgbClr val="000000">
+                      <a:alpha val="43137"/>
+                    </a:srgbClr>
+                  </a:outerShdw>
+                </a:effectLst>
+                <a:latin typeface="+mj-lt"/>
+                <a:ea typeface="+mj-ea"/>
+                <a:cs typeface="+mj-cs"/>
+              </a:endParaRPr>
+            </a:p>
+          </p:txBody>
+        </p:sp>
+        <p:sp>
+          <p:nvSpPr>
+            <p:cNvPr id="54" name="Овал 53"/>
+            <p:cNvSpPr/>
+            <p:nvPr/>
+          </p:nvSpPr>
+          <p:spPr>
+            <a:xfrm>
+              <a:off x="3641125" y="4861942"/>
+              <a:ext cx="519764" cy="519764"/>
+            </a:xfrm>
+            <a:prstGeom prst="ellipse">
+              <a:avLst/>
+            </a:prstGeom>
+            <a:solidFill>
+              <a:srgbClr val="00B050">
+                <a:alpha val="30196"/>
+              </a:srgbClr>
+            </a:solidFill>
+            <a:ln>
+              <a:noFill/>
+            </a:ln>
+          </p:spPr>
+          <p:style>
+            <a:lnRef idx="2">
+              <a:schemeClr val="accent1">
+                <a:shade val="50000"/>
+              </a:schemeClr>
+            </a:lnRef>
+            <a:fillRef idx="1">
+              <a:schemeClr val="accent1"/>
+            </a:fillRef>
+            <a:effectRef idx="0">
+              <a:schemeClr val="accent1"/>
+            </a:effectRef>
+            <a:fontRef idx="minor">
+              <a:schemeClr val="lt1"/>
+            </a:fontRef>
+          </p:style>
+          <p:txBody>
+            <a:bodyPr rtlCol="0" anchor="ctr"/>
+            <a:lstStyle/>
+            <a:p>
+              <a:pPr algn="ctr"/>
+              <a:endParaRPr lang="ru-RU"/>
+            </a:p>
+          </p:txBody>
+        </p:sp>
+      </p:grpSp>
+      <p:sp>
+        <p:nvSpPr>
+          <p:cNvPr id="21" name="TextBox 20"/>
+          <p:cNvSpPr txBox="1"/>
           <p:nvPr/>
         </p:nvSpPr>
         <p:spPr>
           <a:xfrm>
-            <a:off x="1635499" y="4861942"/>
-            <a:ext cx="519764" cy="519764"/>
+            <a:off x="1039799" y="5024774"/>
+            <a:ext cx="3514232" cy="369332"/>
           </a:xfrm>
-          <a:prstGeom prst="ellipse">
+          <a:prstGeom prst="rect">
             <a:avLst/>
           </a:prstGeom>
-          <a:solidFill>
-            <a:srgbClr val="FF0000">
-              <a:alpha val="30196"/>
-            </a:srgbClr>
-          </a:solidFill>
-          <a:ln>
-            <a:noFill/>
-          </a:ln>
+          <a:noFill/>
         </p:spPr>
-        <p:style>
-          <a:lnRef idx="2">
-            <a:schemeClr val="accent1">
-              <a:shade val="50000"/>
-            </a:schemeClr>
-          </a:lnRef>
-          <a:fillRef idx="1">
-            <a:schemeClr val="accent1"/>
-          </a:fillRef>
-          <a:effectRef idx="0">
-            <a:schemeClr val="accent1"/>
-          </a:effectRef>
-          <a:fontRef idx="minor">
-            <a:schemeClr val="lt1"/>
-          </a:fontRef>
-        </p:style>
-        <p:txBody>
-          <a:bodyPr rtlCol="0" anchor="ctr"/>
-          <a:lstStyle/>
-          <a:p>
-            <a:pPr algn="ctr"/>
-            <a:endParaRPr lang="ru-RU"/>
-          </a:p>
-        </p:txBody>
-      </p:sp>
-      <p:sp>
-        <p:nvSpPr>
-          <p:cNvPr id="54" name="Овал 53"/>
-          <p:cNvSpPr/>
-          <p:nvPr/>
-        </p:nvSpPr>
-        <p:spPr>
-          <a:xfrm>
-            <a:off x="3641125" y="4861942"/>
-            <a:ext cx="519764" cy="519764"/>
-          </a:xfrm>
-          <a:prstGeom prst="ellipse">
-            <a:avLst/>
-          </a:prstGeom>
-          <a:solidFill>
-            <a:srgbClr val="00B050">
-              <a:alpha val="30196"/>
-            </a:srgbClr>
-          </a:solidFill>
-          <a:ln>
-            <a:noFill/>
-          </a:ln>
-        </p:spPr>
-        <p:style>
-          <a:lnRef idx="2">
-            <a:schemeClr val="accent1">
-              <a:shade val="50000"/>
-            </a:schemeClr>
-          </a:lnRef>
-          <a:fillRef idx="1">
-            <a:schemeClr val="accent1"/>
-          </a:fillRef>
-          <a:effectRef idx="0">
-            <a:schemeClr val="accent1"/>
-          </a:effectRef>
-          <a:fontRef idx="minor">
-            <a:schemeClr val="lt1"/>
-          </a:fontRef>
-        </p:style>
-        <p:txBody>
-          <a:bodyPr rtlCol="0" anchor="ctr"/>
-          <a:lstStyle/>
-          <a:p>
-            <a:pPr algn="ctr"/>
-            <a:endParaRPr lang="ru-RU"/>
+        <p:txBody>
+          <a:bodyPr wrap="none" rtlCol="0">
+            <a:spAutoFit/>
+          </a:bodyPr>
+          <a:lstStyle/>
+          <a:p>
+            <a:pPr>
+              <a:spcBef>
+                <a:spcPct val="0"/>
+              </a:spcBef>
+            </a:pPr>
+            <a:r>
+              <a:rPr lang="en-US" dirty="0" smtClean="0">
+                <a:solidFill>
+                  <a:schemeClr val="tx2">
+                    <a:lumMod val="90000"/>
+                  </a:schemeClr>
+                </a:solidFill>
+                <a:effectLst>
+                  <a:outerShdw blurRad="38100" dist="38100" dir="2700000" algn="tl">
+                    <a:srgbClr val="000000">
+                      <a:alpha val="43137"/>
+                    </a:srgbClr>
+                  </a:outerShdw>
+                </a:effectLst>
+                <a:latin typeface="+mj-lt"/>
+                <a:ea typeface="+mj-ea"/>
+                <a:cs typeface="+mj-cs"/>
+              </a:rPr>
+              <a:t>AAA pattern: Arrange-Act-Assert</a:t>
+            </a:r>
+            <a:endParaRPr lang="ru-RU" dirty="0">
+              <a:solidFill>
+                <a:schemeClr val="tx2">
+                  <a:lumMod val="90000"/>
+                </a:schemeClr>
+              </a:solidFill>
+              <a:effectLst>
+                <a:outerShdw blurRad="38100" dist="38100" dir="2700000" algn="tl">
+                  <a:srgbClr val="000000">
+                    <a:alpha val="43137"/>
+                  </a:srgbClr>
+                </a:outerShdw>
+              </a:effectLst>
+              <a:latin typeface="+mj-lt"/>
+              <a:ea typeface="+mj-ea"/>
+              <a:cs typeface="+mj-cs"/>
+            </a:endParaRPr>
+          </a:p>
+        </p:txBody>
+      </p:sp>
+      <p:sp>
+        <p:nvSpPr>
+          <p:cNvPr id="5" name="Номер слайда 4"/>
+          <p:cNvSpPr>
+            <a:spLocks noGrp="1"/>
+          </p:cNvSpPr>
+          <p:nvPr>
+            <p:ph type="sldNum" sz="quarter" idx="12"/>
+          </p:nvPr>
+        </p:nvSpPr>
+        <p:spPr/>
+        <p:txBody>
+          <a:bodyPr/>
+          <a:lstStyle/>
+          <a:p>
+            <a:fld id="{D57F1E4F-1CFF-5643-939E-217C01CDF565}" type="slidenum">
+              <a:rPr lang="en-US" smtClean="0"/>
+              <a:pPr/>
+              <a:t>8</a:t>
+            </a:fld>
+            <a:endParaRPr lang="en-US" dirty="0"/>
           </a:p>
         </p:txBody>
       </p:sp>
@@ -13724,6 +17160,9 @@
                     <p:cTn id="3" fill="hold">
                       <p:stCondLst>
                         <p:cond delay="indefinite"/>
+                        <p:cond evt="onBegin" delay="0">
+                          <p:tn val="2"/>
+                        </p:cond>
                       </p:stCondLst>
                       <p:childTnLst>
                         <p:par>
@@ -13733,7 +17172,7 @@
                             </p:stCondLst>
                             <p:childTnLst>
                               <p:par>
-                                <p:cTn id="5" presetID="1" presetClass="entr" presetSubtype="0" fill="hold" grpId="0" nodeType="clickEffect">
+                                <p:cTn id="5" presetID="1" presetClass="entr" presetSubtype="0" fill="hold" grpId="0" nodeType="withEffect">
                                   <p:stCondLst>
                                     <p:cond delay="0"/>
                                   </p:stCondLst>
@@ -13746,7 +17185,7 @@
                                           </p:stCondLst>
                                         </p:cTn>
                                         <p:tgtEl>
-                                          <p:spTgt spid="12"/>
+                                          <p:spTgt spid="52"/>
                                         </p:tgtEl>
                                         <p:attrNameLst>
                                           <p:attrName>style.visibility</p:attrName>
@@ -13773,7 +17212,7 @@
                                           </p:stCondLst>
                                         </p:cTn>
                                         <p:tgtEl>
-                                          <p:spTgt spid="13"/>
+                                          <p:spTgt spid="49"/>
                                         </p:tgtEl>
                                         <p:attrNameLst>
                                           <p:attrName>style.visibility</p:attrName>
@@ -13800,7 +17239,7 @@
                                           </p:stCondLst>
                                         </p:cTn>
                                         <p:tgtEl>
-                                          <p:spTgt spid="53"/>
+                                          <p:spTgt spid="51"/>
                                         </p:tgtEl>
                                         <p:attrNameLst>
                                           <p:attrName>style.visibility</p:attrName>
@@ -13822,114 +17261,6 @@
                                     <p:set>
                                       <p:cBhvr>
                                         <p:cTn id="12" dur="1" fill="hold">
-                                          <p:stCondLst>
-                                            <p:cond delay="0"/>
-                                          </p:stCondLst>
-                                        </p:cTn>
-                                        <p:tgtEl>
-                                          <p:spTgt spid="54"/>
-                                        </p:tgtEl>
-                                        <p:attrNameLst>
-                                          <p:attrName>style.visibility</p:attrName>
-                                        </p:attrNameLst>
-                                      </p:cBhvr>
-                                      <p:to>
-                                        <p:strVal val="visible"/>
-                                      </p:to>
-                                    </p:set>
-                                  </p:childTnLst>
-                                </p:cTn>
-                              </p:par>
-                              <p:par>
-                                <p:cTn id="13" presetID="1" presetClass="entr" presetSubtype="0" fill="hold" grpId="0" nodeType="withEffect">
-                                  <p:stCondLst>
-                                    <p:cond delay="0"/>
-                                  </p:stCondLst>
-                                  <p:childTnLst>
-                                    <p:set>
-                                      <p:cBhvr>
-                                        <p:cTn id="14" dur="1" fill="hold">
-                                          <p:stCondLst>
-                                            <p:cond delay="0"/>
-                                          </p:stCondLst>
-                                        </p:cTn>
-                                        <p:tgtEl>
-                                          <p:spTgt spid="52"/>
-                                        </p:tgtEl>
-                                        <p:attrNameLst>
-                                          <p:attrName>style.visibility</p:attrName>
-                                        </p:attrNameLst>
-                                      </p:cBhvr>
-                                      <p:to>
-                                        <p:strVal val="visible"/>
-                                      </p:to>
-                                    </p:set>
-                                  </p:childTnLst>
-                                </p:cTn>
-                              </p:par>
-                              <p:par>
-                                <p:cTn id="15" presetID="1" presetClass="entr" presetSubtype="0" fill="hold" grpId="0" nodeType="withEffect">
-                                  <p:stCondLst>
-                                    <p:cond delay="0"/>
-                                  </p:stCondLst>
-                                  <p:childTnLst>
-                                    <p:set>
-                                      <p:cBhvr>
-                                        <p:cTn id="16" dur="1" fill="hold">
-                                          <p:stCondLst>
-                                            <p:cond delay="0"/>
-                                          </p:stCondLst>
-                                        </p:cTn>
-                                        <p:tgtEl>
-                                          <p:spTgt spid="49"/>
-                                        </p:tgtEl>
-                                        <p:attrNameLst>
-                                          <p:attrName>style.visibility</p:attrName>
-                                        </p:attrNameLst>
-                                      </p:cBhvr>
-                                      <p:to>
-                                        <p:strVal val="visible"/>
-                                      </p:to>
-                                    </p:set>
-                                  </p:childTnLst>
-                                </p:cTn>
-                              </p:par>
-                              <p:par>
-                                <p:cTn id="17" presetID="1" presetClass="entr" presetSubtype="0" fill="hold" grpId="0" nodeType="withEffect">
-                                  <p:stCondLst>
-                                    <p:cond delay="0"/>
-                                  </p:stCondLst>
-                                  <p:childTnLst>
-                                    <p:set>
-                                      <p:cBhvr>
-                                        <p:cTn id="18" dur="1" fill="hold">
-                                          <p:stCondLst>
-                                            <p:cond delay="0"/>
-                                          </p:stCondLst>
-                                        </p:cTn>
-                                        <p:tgtEl>
-                                          <p:spTgt spid="51"/>
-                                        </p:tgtEl>
-                                        <p:attrNameLst>
-                                          <p:attrName>style.visibility</p:attrName>
-                                        </p:attrNameLst>
-                                      </p:cBhvr>
-                                      <p:to>
-                                        <p:strVal val="visible"/>
-                                      </p:to>
-                                    </p:set>
-                                  </p:childTnLst>
-                                </p:cTn>
-                              </p:par>
-                              <p:par>
-                                <p:cTn id="19" presetID="1" presetClass="entr" presetSubtype="0" fill="hold" grpId="0" nodeType="withEffect">
-                                  <p:stCondLst>
-                                    <p:cond delay="0"/>
-                                  </p:stCondLst>
-                                  <p:childTnLst>
-                                    <p:set>
-                                      <p:cBhvr>
-                                        <p:cTn id="20" dur="1" fill="hold">
                                           <p:stCondLst>
                                             <p:cond delay="0"/>
                                           </p:stCondLst>
@@ -13976,20 +17307,16 @@
       </p:par>
     </p:tnLst>
     <p:bldLst>
-      <p:bldP spid="12" grpId="0"/>
-      <p:bldP spid="13" grpId="0"/>
       <p:bldP spid="49" grpId="0" animBg="1"/>
       <p:bldP spid="50" grpId="0" animBg="1"/>
       <p:bldP spid="51" grpId="0" animBg="1"/>
       <p:bldP spid="52" grpId="0" animBg="1"/>
-      <p:bldP spid="53" grpId="0" animBg="1"/>
-      <p:bldP spid="54" grpId="0" animBg="1"/>
     </p:bldLst>
   </p:timing>
 </p:sld>
 </file>
 
-<file path=ppt/slides/slide8.xml><?xml version="1.0" encoding="utf-8"?>
+<file path=ppt/slides/slide9.xml><?xml version="1.0" encoding="utf-8"?>
 <p:sld xmlns:a="http://schemas.openxmlformats.org/drawingml/2006/main" xmlns:r="http://schemas.openxmlformats.org/officeDocument/2006/relationships" xmlns:p="http://schemas.openxmlformats.org/presentationml/2006/main">
   <p:cSld>
     <p:spTree>
@@ -14499,6 +17826,30 @@
           </a:p>
         </p:txBody>
       </p:sp>
+      <p:sp>
+        <p:nvSpPr>
+          <p:cNvPr id="3" name="Номер слайда 2"/>
+          <p:cNvSpPr>
+            <a:spLocks noGrp="1"/>
+          </p:cNvSpPr>
+          <p:nvPr>
+            <p:ph type="sldNum" sz="quarter" idx="12"/>
+          </p:nvPr>
+        </p:nvSpPr>
+        <p:spPr/>
+        <p:txBody>
+          <a:bodyPr/>
+          <a:lstStyle/>
+          <a:p>
+            <a:fld id="{D57F1E4F-1CFF-5643-939E-217C01CDF565}" type="slidenum">
+              <a:rPr lang="en-US" smtClean="0"/>
+              <a:pPr/>
+              <a:t>9</a:t>
+            </a:fld>
+            <a:endParaRPr lang="en-US" dirty="0"/>
+          </a:p>
+        </p:txBody>
+      </p:sp>
     </p:spTree>
     <p:extLst>
       <p:ext uri="{BB962C8B-B14F-4D97-AF65-F5344CB8AC3E}">
@@ -14509,11 +17860,11 @@
   <p:clrMapOvr>
     <a:masterClrMapping/>
   </p:clrMapOvr>
-  <mc:AlternateContent xmlns:mc="http://schemas.openxmlformats.org/markup-compatibility/2006">
-    <mc:Choice xmlns:p14="http://schemas.microsoft.com/office/powerpoint/2010/main" Requires="p14">
+  <mc:AlternateContent xmlns:mc="http://schemas.openxmlformats.org/markup-compatibility/2006" xmlns:p14="http://schemas.microsoft.com/office/powerpoint/2010/main">
+    <mc:Choice Requires="p14">
       <p:transition spd="slow" p14:dur="2000"/>
     </mc:Choice>
-    <mc:Fallback>
+    <mc:Fallback xmlns="">
       <p:transition spd="slow"/>
     </mc:Fallback>
   </mc:AlternateContent>
@@ -14523,744 +17874,6 @@
         <p:cTn id="1" dur="indefinite" restart="never" nodeType="tmRoot"/>
       </p:par>
     </p:tnLst>
-  </p:timing>
-</p:sld>
-</file>
-
-<file path=ppt/slides/slide9.xml><?xml version="1.0" encoding="utf-8"?>
-<p:sld xmlns:a="http://schemas.openxmlformats.org/drawingml/2006/main" xmlns:r="http://schemas.openxmlformats.org/officeDocument/2006/relationships" xmlns:p="http://schemas.openxmlformats.org/presentationml/2006/main">
-  <p:cSld>
-    <p:spTree>
-      <p:nvGrpSpPr>
-        <p:cNvPr id="1" name=""/>
-        <p:cNvGrpSpPr/>
-        <p:nvPr/>
-      </p:nvGrpSpPr>
-      <p:grpSpPr>
-        <a:xfrm>
-          <a:off x="0" y="0"/>
-          <a:ext cx="0" cy="0"/>
-          <a:chOff x="0" y="0"/>
-          <a:chExt cx="0" cy="0"/>
-        </a:xfrm>
-      </p:grpSpPr>
-      <p:sp>
-        <p:nvSpPr>
-          <p:cNvPr id="2" name="Заголовок 1"/>
-          <p:cNvSpPr>
-            <a:spLocks noGrp="1"/>
-          </p:cNvSpPr>
-          <p:nvPr>
-            <p:ph type="title"/>
-          </p:nvPr>
-        </p:nvSpPr>
-        <p:spPr/>
-        <p:txBody>
-          <a:bodyPr/>
-          <a:lstStyle/>
-          <a:p>
-            <a:r>
-              <a:rPr lang="en-US" dirty="0" smtClean="0">
-                <a:effectLst>
-                  <a:outerShdw blurRad="38100" dist="38100" dir="2700000" algn="tl">
-                    <a:srgbClr val="000000">
-                      <a:alpha val="43137"/>
-                    </a:srgbClr>
-                  </a:outerShdw>
-                </a:effectLst>
-              </a:rPr>
-              <a:t>How to test?</a:t>
-            </a:r>
-            <a:endParaRPr lang="ru-RU" dirty="0">
-              <a:effectLst>
-                <a:outerShdw blurRad="38100" dist="38100" dir="2700000" algn="tl">
-                  <a:srgbClr val="000000">
-                    <a:alpha val="43137"/>
-                  </a:srgbClr>
-                </a:outerShdw>
-              </a:effectLst>
-            </a:endParaRPr>
-          </a:p>
-        </p:txBody>
-      </p:sp>
-      <p:sp>
-        <p:nvSpPr>
-          <p:cNvPr id="6" name="TextBox 5"/>
-          <p:cNvSpPr txBox="1"/>
-          <p:nvPr/>
-        </p:nvSpPr>
-        <p:spPr>
-          <a:xfrm>
-            <a:off x="4384570" y="1836274"/>
-            <a:ext cx="739433" cy="461665"/>
-          </a:xfrm>
-          <a:prstGeom prst="rect">
-            <a:avLst/>
-          </a:prstGeom>
-          <a:noFill/>
-        </p:spPr>
-        <p:txBody>
-          <a:bodyPr wrap="none" rtlCol="0">
-            <a:spAutoFit/>
-          </a:bodyPr>
-          <a:lstStyle/>
-          <a:p>
-            <a:pPr>
-              <a:spcBef>
-                <a:spcPct val="0"/>
-              </a:spcBef>
-            </a:pPr>
-            <a:r>
-              <a:rPr lang="en-US" sz="2400" dirty="0" smtClean="0">
-                <a:solidFill>
-                  <a:schemeClr val="tx2">
-                    <a:lumMod val="90000"/>
-                  </a:schemeClr>
-                </a:solidFill>
-                <a:effectLst>
-                  <a:outerShdw blurRad="38100" dist="38100" dir="2700000" algn="tl">
-                    <a:srgbClr val="000000">
-                      <a:alpha val="43137"/>
-                    </a:srgbClr>
-                  </a:outerShdw>
-                </a:effectLst>
-                <a:latin typeface="+mj-lt"/>
-                <a:ea typeface="+mj-ea"/>
-                <a:cs typeface="+mj-cs"/>
-              </a:rPr>
-              <a:t>Test</a:t>
-            </a:r>
-            <a:endParaRPr lang="ru-RU" sz="2400" dirty="0">
-              <a:solidFill>
-                <a:schemeClr val="tx2">
-                  <a:lumMod val="90000"/>
-                </a:schemeClr>
-              </a:solidFill>
-              <a:effectLst>
-                <a:outerShdw blurRad="38100" dist="38100" dir="2700000" algn="tl">
-                  <a:srgbClr val="000000">
-                    <a:alpha val="43137"/>
-                  </a:srgbClr>
-                </a:outerShdw>
-              </a:effectLst>
-              <a:latin typeface="+mj-lt"/>
-              <a:ea typeface="+mj-ea"/>
-              <a:cs typeface="+mj-cs"/>
-            </a:endParaRPr>
-          </a:p>
-        </p:txBody>
-      </p:sp>
-      <p:cxnSp>
-        <p:nvCxnSpPr>
-          <p:cNvPr id="7" name="Прямая со стрелкой 6"/>
-          <p:cNvCxnSpPr>
-            <a:endCxn id="8" idx="0"/>
-          </p:cNvCxnSpPr>
-          <p:nvPr/>
-        </p:nvCxnSpPr>
-        <p:spPr>
-          <a:xfrm flipH="1">
-            <a:off x="2782149" y="2297939"/>
-            <a:ext cx="1602422" cy="957595"/>
-          </a:xfrm>
-          <a:prstGeom prst="straightConnector1">
-            <a:avLst/>
-          </a:prstGeom>
-          <a:ln w="28575">
-            <a:solidFill>
-              <a:srgbClr val="92D050"/>
-            </a:solidFill>
-            <a:tailEnd type="triangle" w="lg" len="lg"/>
-          </a:ln>
-        </p:spPr>
-        <p:style>
-          <a:lnRef idx="1">
-            <a:schemeClr val="accent5"/>
-          </a:lnRef>
-          <a:fillRef idx="0">
-            <a:schemeClr val="accent5"/>
-          </a:fillRef>
-          <a:effectRef idx="0">
-            <a:schemeClr val="accent5"/>
-          </a:effectRef>
-          <a:fontRef idx="minor">
-            <a:schemeClr val="tx1"/>
-          </a:fontRef>
-        </p:style>
-      </p:cxnSp>
-      <p:sp>
-        <p:nvSpPr>
-          <p:cNvPr id="8" name="TextBox 7"/>
-          <p:cNvSpPr txBox="1"/>
-          <p:nvPr/>
-        </p:nvSpPr>
-        <p:spPr>
-          <a:xfrm>
-            <a:off x="2329140" y="3255534"/>
-            <a:ext cx="906017" cy="461665"/>
-          </a:xfrm>
-          <a:prstGeom prst="rect">
-            <a:avLst/>
-          </a:prstGeom>
-          <a:noFill/>
-        </p:spPr>
-        <p:txBody>
-          <a:bodyPr wrap="none" rtlCol="0">
-            <a:spAutoFit/>
-          </a:bodyPr>
-          <a:lstStyle/>
-          <a:p>
-            <a:pPr>
-              <a:spcBef>
-                <a:spcPct val="0"/>
-              </a:spcBef>
-            </a:pPr>
-            <a:r>
-              <a:rPr lang="en-US" sz="2400" dirty="0" smtClean="0">
-                <a:solidFill>
-                  <a:schemeClr val="tx2">
-                    <a:lumMod val="90000"/>
-                  </a:schemeClr>
-                </a:solidFill>
-                <a:effectLst>
-                  <a:outerShdw blurRad="38100" dist="38100" dir="2700000" algn="tl">
-                    <a:srgbClr val="000000">
-                      <a:alpha val="43137"/>
-                    </a:srgbClr>
-                  </a:outerShdw>
-                </a:effectLst>
-                <a:latin typeface="+mj-lt"/>
-                <a:ea typeface="+mj-ea"/>
-                <a:cs typeface="+mj-cs"/>
-              </a:rPr>
-              <a:t>State</a:t>
-            </a:r>
-            <a:endParaRPr lang="ru-RU" sz="2400" dirty="0">
-              <a:solidFill>
-                <a:schemeClr val="tx2">
-                  <a:lumMod val="90000"/>
-                </a:schemeClr>
-              </a:solidFill>
-              <a:effectLst>
-                <a:outerShdw blurRad="38100" dist="38100" dir="2700000" algn="tl">
-                  <a:srgbClr val="000000">
-                    <a:alpha val="43137"/>
-                  </a:srgbClr>
-                </a:outerShdw>
-              </a:effectLst>
-              <a:latin typeface="+mj-lt"/>
-              <a:ea typeface="+mj-ea"/>
-              <a:cs typeface="+mj-cs"/>
-            </a:endParaRPr>
-          </a:p>
-        </p:txBody>
-      </p:sp>
-      <p:sp>
-        <p:nvSpPr>
-          <p:cNvPr id="9" name="TextBox 8"/>
-          <p:cNvSpPr txBox="1"/>
-          <p:nvPr/>
-        </p:nvSpPr>
-        <p:spPr>
-          <a:xfrm>
-            <a:off x="6044492" y="3255534"/>
-            <a:ext cx="1382110" cy="461665"/>
-          </a:xfrm>
-          <a:prstGeom prst="rect">
-            <a:avLst/>
-          </a:prstGeom>
-          <a:noFill/>
-        </p:spPr>
-        <p:txBody>
-          <a:bodyPr wrap="none" rtlCol="0">
-            <a:spAutoFit/>
-          </a:bodyPr>
-          <a:lstStyle/>
-          <a:p>
-            <a:pPr>
-              <a:spcBef>
-                <a:spcPct val="0"/>
-              </a:spcBef>
-            </a:pPr>
-            <a:r>
-              <a:rPr lang="en-US" sz="2400" dirty="0" smtClean="0">
-                <a:solidFill>
-                  <a:schemeClr val="tx2">
-                    <a:lumMod val="90000"/>
-                  </a:schemeClr>
-                </a:solidFill>
-                <a:effectLst>
-                  <a:outerShdw blurRad="38100" dist="38100" dir="2700000" algn="tl">
-                    <a:srgbClr val="000000">
-                      <a:alpha val="43137"/>
-                    </a:srgbClr>
-                  </a:outerShdw>
-                </a:effectLst>
-                <a:latin typeface="+mj-lt"/>
-                <a:ea typeface="+mj-ea"/>
-                <a:cs typeface="+mj-cs"/>
-              </a:rPr>
-              <a:t>Behavior</a:t>
-            </a:r>
-            <a:endParaRPr lang="ru-RU" sz="2400" dirty="0">
-              <a:solidFill>
-                <a:schemeClr val="tx2">
-                  <a:lumMod val="90000"/>
-                </a:schemeClr>
-              </a:solidFill>
-              <a:effectLst>
-                <a:outerShdw blurRad="38100" dist="38100" dir="2700000" algn="tl">
-                  <a:srgbClr val="000000">
-                    <a:alpha val="43137"/>
-                  </a:srgbClr>
-                </a:outerShdw>
-              </a:effectLst>
-              <a:latin typeface="+mj-lt"/>
-              <a:ea typeface="+mj-ea"/>
-              <a:cs typeface="+mj-cs"/>
-            </a:endParaRPr>
-          </a:p>
-        </p:txBody>
-      </p:sp>
-      <p:cxnSp>
-        <p:nvCxnSpPr>
-          <p:cNvPr id="13" name="Прямая со стрелкой 12"/>
-          <p:cNvCxnSpPr/>
-          <p:nvPr/>
-        </p:nvCxnSpPr>
-        <p:spPr>
-          <a:xfrm>
-            <a:off x="5124003" y="2297939"/>
-            <a:ext cx="1586764" cy="957595"/>
-          </a:xfrm>
-          <a:prstGeom prst="straightConnector1">
-            <a:avLst/>
-          </a:prstGeom>
-          <a:ln w="28575">
-            <a:solidFill>
-              <a:srgbClr val="92D050"/>
-            </a:solidFill>
-            <a:tailEnd type="triangle" w="lg" len="lg"/>
-          </a:ln>
-        </p:spPr>
-        <p:style>
-          <a:lnRef idx="1">
-            <a:schemeClr val="accent5"/>
-          </a:lnRef>
-          <a:fillRef idx="0">
-            <a:schemeClr val="accent5"/>
-          </a:fillRef>
-          <a:effectRef idx="0">
-            <a:schemeClr val="accent5"/>
-          </a:effectRef>
-          <a:fontRef idx="minor">
-            <a:schemeClr val="tx1"/>
-          </a:fontRef>
-        </p:style>
-      </p:cxnSp>
-      <p:sp>
-        <p:nvSpPr>
-          <p:cNvPr id="16" name="TextBox 15"/>
-          <p:cNvSpPr txBox="1"/>
-          <p:nvPr/>
-        </p:nvSpPr>
-        <p:spPr>
-          <a:xfrm>
-            <a:off x="2385244" y="4269907"/>
-            <a:ext cx="793807" cy="461665"/>
-          </a:xfrm>
-          <a:prstGeom prst="rect">
-            <a:avLst/>
-          </a:prstGeom>
-          <a:noFill/>
-        </p:spPr>
-        <p:txBody>
-          <a:bodyPr wrap="none" rtlCol="0">
-            <a:spAutoFit/>
-          </a:bodyPr>
-          <a:lstStyle/>
-          <a:p>
-            <a:pPr>
-              <a:spcBef>
-                <a:spcPct val="0"/>
-              </a:spcBef>
-            </a:pPr>
-            <a:r>
-              <a:rPr lang="en-US" sz="2400" dirty="0" smtClean="0">
-                <a:solidFill>
-                  <a:schemeClr val="tx2">
-                    <a:lumMod val="90000"/>
-                  </a:schemeClr>
-                </a:solidFill>
-                <a:effectLst>
-                  <a:outerShdw blurRad="38100" dist="38100" dir="2700000" algn="tl">
-                    <a:srgbClr val="000000">
-                      <a:alpha val="43137"/>
-                    </a:srgbClr>
-                  </a:outerShdw>
-                </a:effectLst>
-                <a:latin typeface="+mj-lt"/>
-                <a:ea typeface="+mj-ea"/>
-                <a:cs typeface="+mj-cs"/>
-              </a:rPr>
-              <a:t>Stub</a:t>
-            </a:r>
-            <a:endParaRPr lang="ru-RU" sz="2400" dirty="0">
-              <a:solidFill>
-                <a:schemeClr val="tx2">
-                  <a:lumMod val="90000"/>
-                </a:schemeClr>
-              </a:solidFill>
-              <a:effectLst>
-                <a:outerShdw blurRad="38100" dist="38100" dir="2700000" algn="tl">
-                  <a:srgbClr val="000000">
-                    <a:alpha val="43137"/>
-                  </a:srgbClr>
-                </a:outerShdw>
-              </a:effectLst>
-              <a:latin typeface="+mj-lt"/>
-              <a:ea typeface="+mj-ea"/>
-              <a:cs typeface="+mj-cs"/>
-            </a:endParaRPr>
-          </a:p>
-        </p:txBody>
-      </p:sp>
-      <p:sp>
-        <p:nvSpPr>
-          <p:cNvPr id="17" name="TextBox 16"/>
-          <p:cNvSpPr txBox="1"/>
-          <p:nvPr/>
-        </p:nvSpPr>
-        <p:spPr>
-          <a:xfrm>
-            <a:off x="6297766" y="4269906"/>
-            <a:ext cx="875561" cy="461665"/>
-          </a:xfrm>
-          <a:prstGeom prst="rect">
-            <a:avLst/>
-          </a:prstGeom>
-          <a:noFill/>
-        </p:spPr>
-        <p:txBody>
-          <a:bodyPr wrap="none" rtlCol="0">
-            <a:spAutoFit/>
-          </a:bodyPr>
-          <a:lstStyle/>
-          <a:p>
-            <a:pPr>
-              <a:spcBef>
-                <a:spcPct val="0"/>
-              </a:spcBef>
-            </a:pPr>
-            <a:r>
-              <a:rPr lang="en-US" sz="2400" dirty="0" smtClean="0">
-                <a:solidFill>
-                  <a:schemeClr val="tx2">
-                    <a:lumMod val="90000"/>
-                  </a:schemeClr>
-                </a:solidFill>
-                <a:effectLst>
-                  <a:outerShdw blurRad="38100" dist="38100" dir="2700000" algn="tl">
-                    <a:srgbClr val="000000">
-                      <a:alpha val="43137"/>
-                    </a:srgbClr>
-                  </a:outerShdw>
-                </a:effectLst>
-                <a:latin typeface="+mj-lt"/>
-                <a:ea typeface="+mj-ea"/>
-                <a:cs typeface="+mj-cs"/>
-              </a:rPr>
-              <a:t>Mock</a:t>
-            </a:r>
-          </a:p>
-        </p:txBody>
-      </p:sp>
-      <p:sp>
-        <p:nvSpPr>
-          <p:cNvPr id="18" name="Прямоугольник 17"/>
-          <p:cNvSpPr/>
-          <p:nvPr/>
-        </p:nvSpPr>
-        <p:spPr>
-          <a:xfrm>
-            <a:off x="2079577" y="4243008"/>
-            <a:ext cx="1433643" cy="515460"/>
-          </a:xfrm>
-          <a:prstGeom prst="rect">
-            <a:avLst/>
-          </a:prstGeom>
-          <a:solidFill>
-            <a:schemeClr val="tx1">
-              <a:lumMod val="95000"/>
-              <a:alpha val="10196"/>
-            </a:schemeClr>
-          </a:solidFill>
-          <a:ln>
-            <a:noFill/>
-          </a:ln>
-        </p:spPr>
-        <p:style>
-          <a:lnRef idx="2">
-            <a:schemeClr val="accent1">
-              <a:shade val="50000"/>
-            </a:schemeClr>
-          </a:lnRef>
-          <a:fillRef idx="1">
-            <a:schemeClr val="accent1"/>
-          </a:fillRef>
-          <a:effectRef idx="0">
-            <a:schemeClr val="accent1"/>
-          </a:effectRef>
-          <a:fontRef idx="minor">
-            <a:schemeClr val="lt1"/>
-          </a:fontRef>
-        </p:style>
-        <p:txBody>
-          <a:bodyPr rtlCol="0" anchor="ctr"/>
-          <a:lstStyle/>
-          <a:p>
-            <a:pPr algn="ctr"/>
-            <a:endParaRPr lang="ru-RU" dirty="0">
-              <a:effectLst>
-                <a:outerShdw blurRad="38100" dist="38100" dir="2700000" algn="tl">
-                  <a:srgbClr val="000000">
-                    <a:alpha val="43137"/>
-                  </a:srgbClr>
-                </a:outerShdw>
-              </a:effectLst>
-            </a:endParaRPr>
-          </a:p>
-        </p:txBody>
-      </p:sp>
-      <p:sp>
-        <p:nvSpPr>
-          <p:cNvPr id="19" name="Прямоугольник 18"/>
-          <p:cNvSpPr/>
-          <p:nvPr/>
-        </p:nvSpPr>
-        <p:spPr>
-          <a:xfrm>
-            <a:off x="6018724" y="4243008"/>
-            <a:ext cx="1433643" cy="515460"/>
-          </a:xfrm>
-          <a:prstGeom prst="rect">
-            <a:avLst/>
-          </a:prstGeom>
-          <a:solidFill>
-            <a:schemeClr val="tx1">
-              <a:lumMod val="95000"/>
-              <a:alpha val="10196"/>
-            </a:schemeClr>
-          </a:solidFill>
-          <a:ln>
-            <a:noFill/>
-          </a:ln>
-        </p:spPr>
-        <p:style>
-          <a:lnRef idx="2">
-            <a:schemeClr val="accent1">
-              <a:shade val="50000"/>
-            </a:schemeClr>
-          </a:lnRef>
-          <a:fillRef idx="1">
-            <a:schemeClr val="accent1"/>
-          </a:fillRef>
-          <a:effectRef idx="0">
-            <a:schemeClr val="accent1"/>
-          </a:effectRef>
-          <a:fontRef idx="minor">
-            <a:schemeClr val="lt1"/>
-          </a:fontRef>
-        </p:style>
-        <p:txBody>
-          <a:bodyPr rtlCol="0" anchor="ctr"/>
-          <a:lstStyle/>
-          <a:p>
-            <a:pPr algn="ctr"/>
-            <a:endParaRPr lang="ru-RU" dirty="0">
-              <a:effectLst>
-                <a:outerShdw blurRad="38100" dist="38100" dir="2700000" algn="tl">
-                  <a:srgbClr val="000000">
-                    <a:alpha val="43137"/>
-                  </a:srgbClr>
-                </a:outerShdw>
-              </a:effectLst>
-            </a:endParaRPr>
-          </a:p>
-        </p:txBody>
-      </p:sp>
-    </p:spTree>
-    <p:extLst>
-      <p:ext uri="{BB962C8B-B14F-4D97-AF65-F5344CB8AC3E}">
-        <p14:creationId xmlns:p14="http://schemas.microsoft.com/office/powerpoint/2010/main" val="1177642406"/>
-      </p:ext>
-    </p:extLst>
-  </p:cSld>
-  <p:clrMapOvr>
-    <a:masterClrMapping/>
-  </p:clrMapOvr>
-  <p:timing>
-    <p:tnLst>
-      <p:par>
-        <p:cTn id="1" dur="indefinite" restart="never" nodeType="tmRoot">
-          <p:childTnLst>
-            <p:seq concurrent="1" nextAc="seek">
-              <p:cTn id="2" dur="indefinite" nodeType="mainSeq">
-                <p:childTnLst>
-                  <p:par>
-                    <p:cTn id="3" fill="hold">
-                      <p:stCondLst>
-                        <p:cond delay="indefinite"/>
-                        <p:cond evt="onBegin" delay="0">
-                          <p:tn val="2"/>
-                        </p:cond>
-                      </p:stCondLst>
-                      <p:childTnLst>
-                        <p:par>
-                          <p:cTn id="4" fill="hold">
-                            <p:stCondLst>
-                              <p:cond delay="0"/>
-                            </p:stCondLst>
-                            <p:childTnLst>
-                              <p:par>
-                                <p:cTn id="5" presetID="1" presetClass="entr" presetSubtype="0" fill="hold" nodeType="withEffect">
-                                  <p:stCondLst>
-                                    <p:cond delay="0"/>
-                                  </p:stCondLst>
-                                  <p:childTnLst>
-                                    <p:set>
-                                      <p:cBhvr>
-                                        <p:cTn id="6" dur="1" fill="hold">
-                                          <p:stCondLst>
-                                            <p:cond delay="0"/>
-                                          </p:stCondLst>
-                                        </p:cTn>
-                                        <p:tgtEl>
-                                          <p:spTgt spid="7"/>
-                                        </p:tgtEl>
-                                        <p:attrNameLst>
-                                          <p:attrName>style.visibility</p:attrName>
-                                        </p:attrNameLst>
-                                      </p:cBhvr>
-                                      <p:to>
-                                        <p:strVal val="visible"/>
-                                      </p:to>
-                                    </p:set>
-                                  </p:childTnLst>
-                                </p:cTn>
-                              </p:par>
-                              <p:par>
-                                <p:cTn id="7" presetID="1" presetClass="entr" presetSubtype="0" fill="hold" nodeType="withEffect">
-                                  <p:stCondLst>
-                                    <p:cond delay="0"/>
-                                  </p:stCondLst>
-                                  <p:childTnLst>
-                                    <p:set>
-                                      <p:cBhvr>
-                                        <p:cTn id="8" dur="1" fill="hold">
-                                          <p:stCondLst>
-                                            <p:cond delay="0"/>
-                                          </p:stCondLst>
-                                        </p:cTn>
-                                        <p:tgtEl>
-                                          <p:spTgt spid="13"/>
-                                        </p:tgtEl>
-                                        <p:attrNameLst>
-                                          <p:attrName>style.visibility</p:attrName>
-                                        </p:attrNameLst>
-                                      </p:cBhvr>
-                                      <p:to>
-                                        <p:strVal val="visible"/>
-                                      </p:to>
-                                    </p:set>
-                                  </p:childTnLst>
-                                </p:cTn>
-                              </p:par>
-                              <p:par>
-                                <p:cTn id="9" presetID="1" presetClass="entr" presetSubtype="0" fill="hold" grpId="0" nodeType="withEffect">
-                                  <p:stCondLst>
-                                    <p:cond delay="0"/>
-                                  </p:stCondLst>
-                                  <p:childTnLst>
-                                    <p:set>
-                                      <p:cBhvr>
-                                        <p:cTn id="10" dur="1" fill="hold">
-                                          <p:stCondLst>
-                                            <p:cond delay="0"/>
-                                          </p:stCondLst>
-                                        </p:cTn>
-                                        <p:tgtEl>
-                                          <p:spTgt spid="18"/>
-                                        </p:tgtEl>
-                                        <p:attrNameLst>
-                                          <p:attrName>style.visibility</p:attrName>
-                                        </p:attrNameLst>
-                                      </p:cBhvr>
-                                      <p:to>
-                                        <p:strVal val="visible"/>
-                                      </p:to>
-                                    </p:set>
-                                  </p:childTnLst>
-                                </p:cTn>
-                              </p:par>
-                              <p:par>
-                                <p:cTn id="11" presetID="1" presetClass="entr" presetSubtype="0" fill="hold" grpId="0" nodeType="withEffect">
-                                  <p:stCondLst>
-                                    <p:cond delay="0"/>
-                                  </p:stCondLst>
-                                  <p:childTnLst>
-                                    <p:set>
-                                      <p:cBhvr>
-                                        <p:cTn id="12" dur="1" fill="hold">
-                                          <p:stCondLst>
-                                            <p:cond delay="0"/>
-                                          </p:stCondLst>
-                                        </p:cTn>
-                                        <p:tgtEl>
-                                          <p:spTgt spid="19"/>
-                                        </p:tgtEl>
-                                        <p:attrNameLst>
-                                          <p:attrName>style.visibility</p:attrName>
-                                        </p:attrNameLst>
-                                      </p:cBhvr>
-                                      <p:to>
-                                        <p:strVal val="visible"/>
-                                      </p:to>
-                                    </p:set>
-                                  </p:childTnLst>
-                                </p:cTn>
-                              </p:par>
-                            </p:childTnLst>
-                          </p:cTn>
-                        </p:par>
-                      </p:childTnLst>
-                    </p:cTn>
-                  </p:par>
-                </p:childTnLst>
-              </p:cTn>
-              <p:prevCondLst>
-                <p:cond evt="onPrev" delay="0">
-                  <p:tgtEl>
-                    <p:sldTgt/>
-                  </p:tgtEl>
-                </p:cond>
-              </p:prevCondLst>
-              <p:nextCondLst>
-                <p:cond evt="onNext" delay="0">
-                  <p:tgtEl>
-                    <p:sldTgt/>
-                  </p:tgtEl>
-                </p:cond>
-              </p:nextCondLst>
-            </p:seq>
-          </p:childTnLst>
-        </p:cTn>
-      </p:par>
-    </p:tnLst>
-    <p:bldLst>
-      <p:bldP spid="18" grpId="0" animBg="1"/>
-      <p:bldP spid="19" grpId="0" animBg="1"/>
-    </p:bldLst>
   </p:timing>
 </p:sld>
 </file>
